--- a/1.Hachy-Onboarding.pptx
+++ b/1.Hachy-Onboarding.pptx
@@ -5,7 +5,7 @@
     <p:sldMasterId id="2147483648" r:id="rId1"/>
   </p:sldMasterIdLst>
   <p:notesMasterIdLst>
-    <p:notesMasterId r:id="rId15"/>
+    <p:notesMasterId r:id="rId19"/>
   </p:notesMasterIdLst>
   <p:sldIdLst>
     <p:sldId id="257" r:id="rId2"/>
@@ -16,11 +16,15 @@
     <p:sldId id="265" r:id="rId7"/>
     <p:sldId id="266" r:id="rId8"/>
     <p:sldId id="268" r:id="rId9"/>
-    <p:sldId id="269" r:id="rId10"/>
-    <p:sldId id="271" r:id="rId11"/>
-    <p:sldId id="275" r:id="rId12"/>
-    <p:sldId id="272" r:id="rId13"/>
-    <p:sldId id="273" r:id="rId14"/>
+    <p:sldId id="276" r:id="rId10"/>
+    <p:sldId id="269" r:id="rId11"/>
+    <p:sldId id="277" r:id="rId12"/>
+    <p:sldId id="271" r:id="rId13"/>
+    <p:sldId id="275" r:id="rId14"/>
+    <p:sldId id="280" r:id="rId15"/>
+    <p:sldId id="282" r:id="rId16"/>
+    <p:sldId id="272" r:id="rId17"/>
+    <p:sldId id="283" r:id="rId18"/>
   </p:sldIdLst>
   <p:sldSz cx="12192000" cy="6858000"/>
   <p:notesSz cx="6858000" cy="9144000"/>
@@ -119,6 +123,11 @@
       </a:defRPr>
     </a:lvl9pPr>
   </p:defaultTextStyle>
+  <p:extLst>
+    <p:ext uri="{EFAFB233-063F-42B5-8137-9DF3F51BA10A}">
+      <p15:sldGuideLst xmlns:p15="http://schemas.microsoft.com/office/powerpoint/2012/main"/>
+    </p:ext>
+  </p:extLst>
 </p:presentation>
 </file>
 
@@ -562,6 +571,97 @@
 </p:notes>
 </file>
 
+<file path=ppt/notesSlides/notesSlide10.xml><?xml version="1.0" encoding="utf-8"?>
+<p:notes xmlns:a="http://schemas.openxmlformats.org/drawingml/2006/main" xmlns:r="http://schemas.openxmlformats.org/officeDocument/2006/relationships" xmlns:p="http://schemas.openxmlformats.org/presentationml/2006/main">
+  <p:cSld>
+    <p:spTree>
+      <p:nvGrpSpPr>
+        <p:cNvPr id="1" name=""/>
+        <p:cNvGrpSpPr/>
+        <p:nvPr/>
+      </p:nvGrpSpPr>
+      <p:grpSpPr>
+        <a:xfrm>
+          <a:off x="0" y="0"/>
+          <a:ext cx="0" cy="0"/>
+          <a:chOff x="0" y="0"/>
+          <a:chExt cx="0" cy="0"/>
+        </a:xfrm>
+      </p:grpSpPr>
+      <p:sp>
+        <p:nvSpPr>
+          <p:cNvPr id="2" name="Slide Image Placeholder 1"/>
+          <p:cNvSpPr>
+            <a:spLocks noGrp="1" noRot="1" noChangeAspect="1"/>
+          </p:cNvSpPr>
+          <p:nvPr>
+            <p:ph type="sldImg"/>
+          </p:nvPr>
+        </p:nvSpPr>
+        <p:spPr/>
+      </p:sp>
+      <p:sp>
+        <p:nvSpPr>
+          <p:cNvPr id="3" name="Notes Placeholder 2"/>
+          <p:cNvSpPr>
+            <a:spLocks noGrp="1"/>
+          </p:cNvSpPr>
+          <p:nvPr>
+            <p:ph type="body" idx="1"/>
+          </p:nvPr>
+        </p:nvSpPr>
+        <p:spPr/>
+        <p:txBody>
+          <a:bodyPr/>
+          <a:lstStyle/>
+          <a:p>
+            <a:r>
+              <a:rPr lang="en-US" dirty="0" err="1"/>
+              <a:t>Todo</a:t>
+            </a:r>
+            <a:r>
+              <a:rPr lang="en-US" dirty="0"/>
+              <a:t>: insert image here of 5 steps here</a:t>
+            </a:r>
+          </a:p>
+        </p:txBody>
+      </p:sp>
+      <p:sp>
+        <p:nvSpPr>
+          <p:cNvPr id="4" name="Slide Number Placeholder 3"/>
+          <p:cNvSpPr>
+            <a:spLocks noGrp="1"/>
+          </p:cNvSpPr>
+          <p:nvPr>
+            <p:ph type="sldNum" sz="quarter" idx="10"/>
+          </p:nvPr>
+        </p:nvSpPr>
+        <p:spPr/>
+        <p:txBody>
+          <a:bodyPr/>
+          <a:lstStyle/>
+          <a:p>
+            <a:fld id="{3D0F65F7-2AC7-4512-BA40-53C6E413B819}" type="slidenum">
+              <a:rPr lang="en-US" smtClean="0"/>
+              <a:t>15</a:t>
+            </a:fld>
+            <a:endParaRPr lang="en-US"/>
+          </a:p>
+        </p:txBody>
+      </p:sp>
+    </p:spTree>
+    <p:extLst>
+      <p:ext uri="{BB962C8B-B14F-4D97-AF65-F5344CB8AC3E}">
+        <p14:creationId xmlns:p14="http://schemas.microsoft.com/office/powerpoint/2010/main" val="2061415505"/>
+      </p:ext>
+    </p:extLst>
+  </p:cSld>
+  <p:clrMapOvr>
+    <a:masterClrMapping/>
+  </p:clrMapOvr>
+</p:notes>
+</file>
+
 <file path=ppt/notesSlides/notesSlide2.xml><?xml version="1.0" encoding="utf-8"?>
 <p:notes xmlns:a="http://schemas.openxmlformats.org/drawingml/2006/main" xmlns:r="http://schemas.openxmlformats.org/officeDocument/2006/relationships" xmlns:p="http://schemas.openxmlformats.org/presentationml/2006/main">
   <p:cSld>
@@ -916,7 +1016,7 @@
     </p:spTree>
     <p:extLst>
       <p:ext uri="{BB962C8B-B14F-4D97-AF65-F5344CB8AC3E}">
-        <p14:creationId xmlns:p14="http://schemas.microsoft.com/office/powerpoint/2010/main" val="3449961481"/>
+        <p14:creationId xmlns:p14="http://schemas.microsoft.com/office/powerpoint/2010/main" val="1010036762"/>
       </p:ext>
     </p:extLst>
   </p:cSld>
@@ -998,7 +1098,189 @@
           <a:p>
             <a:fld id="{3D0F65F7-2AC7-4512-BA40-53C6E413B819}" type="slidenum">
               <a:rPr lang="en-US" smtClean="0"/>
+              <a:t>10</a:t>
+            </a:fld>
+            <a:endParaRPr lang="en-US"/>
+          </a:p>
+        </p:txBody>
+      </p:sp>
+    </p:spTree>
+    <p:extLst>
+      <p:ext uri="{BB962C8B-B14F-4D97-AF65-F5344CB8AC3E}">
+        <p14:creationId xmlns:p14="http://schemas.microsoft.com/office/powerpoint/2010/main" val="3449961481"/>
+      </p:ext>
+    </p:extLst>
+  </p:cSld>
+  <p:clrMapOvr>
+    <a:masterClrMapping/>
+  </p:clrMapOvr>
+</p:notes>
+</file>
+
+<file path=ppt/notesSlides/notesSlide7.xml><?xml version="1.0" encoding="utf-8"?>
+<p:notes xmlns:a="http://schemas.openxmlformats.org/drawingml/2006/main" xmlns:r="http://schemas.openxmlformats.org/officeDocument/2006/relationships" xmlns:p="http://schemas.openxmlformats.org/presentationml/2006/main">
+  <p:cSld>
+    <p:spTree>
+      <p:nvGrpSpPr>
+        <p:cNvPr id="1" name=""/>
+        <p:cNvGrpSpPr/>
+        <p:nvPr/>
+      </p:nvGrpSpPr>
+      <p:grpSpPr>
+        <a:xfrm>
+          <a:off x="0" y="0"/>
+          <a:ext cx="0" cy="0"/>
+          <a:chOff x="0" y="0"/>
+          <a:chExt cx="0" cy="0"/>
+        </a:xfrm>
+      </p:grpSpPr>
+      <p:sp>
+        <p:nvSpPr>
+          <p:cNvPr id="2" name="Slide Image Placeholder 1"/>
+          <p:cNvSpPr>
+            <a:spLocks noGrp="1" noRot="1" noChangeAspect="1"/>
+          </p:cNvSpPr>
+          <p:nvPr>
+            <p:ph type="sldImg"/>
+          </p:nvPr>
+        </p:nvSpPr>
+        <p:spPr/>
+      </p:sp>
+      <p:sp>
+        <p:nvSpPr>
+          <p:cNvPr id="3" name="Notes Placeholder 2"/>
+          <p:cNvSpPr>
+            <a:spLocks noGrp="1"/>
+          </p:cNvSpPr>
+          <p:nvPr>
+            <p:ph type="body" idx="1"/>
+          </p:nvPr>
+        </p:nvSpPr>
+        <p:spPr/>
+        <p:txBody>
+          <a:bodyPr/>
+          <a:lstStyle/>
+          <a:p>
+            <a:r>
+              <a:rPr lang="en-US" dirty="0" err="1"/>
+              <a:t>Todo</a:t>
+            </a:r>
+            <a:r>
+              <a:rPr lang="en-US" dirty="0"/>
+              <a:t>: insert image here of 5 steps here</a:t>
+            </a:r>
+          </a:p>
+        </p:txBody>
+      </p:sp>
+      <p:sp>
+        <p:nvSpPr>
+          <p:cNvPr id="4" name="Slide Number Placeholder 3"/>
+          <p:cNvSpPr>
+            <a:spLocks noGrp="1"/>
+          </p:cNvSpPr>
+          <p:nvPr>
+            <p:ph type="sldNum" sz="quarter" idx="10"/>
+          </p:nvPr>
+        </p:nvSpPr>
+        <p:spPr/>
+        <p:txBody>
+          <a:bodyPr/>
+          <a:lstStyle/>
+          <a:p>
+            <a:fld id="{3D0F65F7-2AC7-4512-BA40-53C6E413B819}" type="slidenum">
+              <a:rPr lang="en-US" smtClean="0"/>
               <a:t>11</a:t>
+            </a:fld>
+            <a:endParaRPr lang="en-US"/>
+          </a:p>
+        </p:txBody>
+      </p:sp>
+    </p:spTree>
+    <p:extLst>
+      <p:ext uri="{BB962C8B-B14F-4D97-AF65-F5344CB8AC3E}">
+        <p14:creationId xmlns:p14="http://schemas.microsoft.com/office/powerpoint/2010/main" val="2327805649"/>
+      </p:ext>
+    </p:extLst>
+  </p:cSld>
+  <p:clrMapOvr>
+    <a:masterClrMapping/>
+  </p:clrMapOvr>
+</p:notes>
+</file>
+
+<file path=ppt/notesSlides/notesSlide8.xml><?xml version="1.0" encoding="utf-8"?>
+<p:notes xmlns:a="http://schemas.openxmlformats.org/drawingml/2006/main" xmlns:r="http://schemas.openxmlformats.org/officeDocument/2006/relationships" xmlns:p="http://schemas.openxmlformats.org/presentationml/2006/main">
+  <p:cSld>
+    <p:spTree>
+      <p:nvGrpSpPr>
+        <p:cNvPr id="1" name=""/>
+        <p:cNvGrpSpPr/>
+        <p:nvPr/>
+      </p:nvGrpSpPr>
+      <p:grpSpPr>
+        <a:xfrm>
+          <a:off x="0" y="0"/>
+          <a:ext cx="0" cy="0"/>
+          <a:chOff x="0" y="0"/>
+          <a:chExt cx="0" cy="0"/>
+        </a:xfrm>
+      </p:grpSpPr>
+      <p:sp>
+        <p:nvSpPr>
+          <p:cNvPr id="2" name="Slide Image Placeholder 1"/>
+          <p:cNvSpPr>
+            <a:spLocks noGrp="1" noRot="1" noChangeAspect="1"/>
+          </p:cNvSpPr>
+          <p:nvPr>
+            <p:ph type="sldImg"/>
+          </p:nvPr>
+        </p:nvSpPr>
+        <p:spPr/>
+      </p:sp>
+      <p:sp>
+        <p:nvSpPr>
+          <p:cNvPr id="3" name="Notes Placeholder 2"/>
+          <p:cNvSpPr>
+            <a:spLocks noGrp="1"/>
+          </p:cNvSpPr>
+          <p:nvPr>
+            <p:ph type="body" idx="1"/>
+          </p:nvPr>
+        </p:nvSpPr>
+        <p:spPr/>
+        <p:txBody>
+          <a:bodyPr/>
+          <a:lstStyle/>
+          <a:p>
+            <a:r>
+              <a:rPr lang="en-US" dirty="0" err="1"/>
+              <a:t>Todo</a:t>
+            </a:r>
+            <a:r>
+              <a:rPr lang="en-US" dirty="0"/>
+              <a:t>: insert image here of 5 steps here</a:t>
+            </a:r>
+          </a:p>
+        </p:txBody>
+      </p:sp>
+      <p:sp>
+        <p:nvSpPr>
+          <p:cNvPr id="4" name="Slide Number Placeholder 3"/>
+          <p:cNvSpPr>
+            <a:spLocks noGrp="1"/>
+          </p:cNvSpPr>
+          <p:nvPr>
+            <p:ph type="sldNum" sz="quarter" idx="10"/>
+          </p:nvPr>
+        </p:nvSpPr>
+        <p:spPr/>
+        <p:txBody>
+          <a:bodyPr/>
+          <a:lstStyle/>
+          <a:p>
+            <a:fld id="{3D0F65F7-2AC7-4512-BA40-53C6E413B819}" type="slidenum">
+              <a:rPr lang="en-US" smtClean="0"/>
+              <a:t>13</a:t>
             </a:fld>
             <a:endParaRPr lang="en-US"/>
           </a:p>
@@ -1008,6 +1290,97 @@
     <p:extLst>
       <p:ext uri="{BB962C8B-B14F-4D97-AF65-F5344CB8AC3E}">
         <p14:creationId xmlns:p14="http://schemas.microsoft.com/office/powerpoint/2010/main" val="3946322155"/>
+      </p:ext>
+    </p:extLst>
+  </p:cSld>
+  <p:clrMapOvr>
+    <a:masterClrMapping/>
+  </p:clrMapOvr>
+</p:notes>
+</file>
+
+<file path=ppt/notesSlides/notesSlide9.xml><?xml version="1.0" encoding="utf-8"?>
+<p:notes xmlns:a="http://schemas.openxmlformats.org/drawingml/2006/main" xmlns:r="http://schemas.openxmlformats.org/officeDocument/2006/relationships" xmlns:p="http://schemas.openxmlformats.org/presentationml/2006/main">
+  <p:cSld>
+    <p:spTree>
+      <p:nvGrpSpPr>
+        <p:cNvPr id="1" name=""/>
+        <p:cNvGrpSpPr/>
+        <p:nvPr/>
+      </p:nvGrpSpPr>
+      <p:grpSpPr>
+        <a:xfrm>
+          <a:off x="0" y="0"/>
+          <a:ext cx="0" cy="0"/>
+          <a:chOff x="0" y="0"/>
+          <a:chExt cx="0" cy="0"/>
+        </a:xfrm>
+      </p:grpSpPr>
+      <p:sp>
+        <p:nvSpPr>
+          <p:cNvPr id="2" name="Slide Image Placeholder 1"/>
+          <p:cNvSpPr>
+            <a:spLocks noGrp="1" noRot="1" noChangeAspect="1"/>
+          </p:cNvSpPr>
+          <p:nvPr>
+            <p:ph type="sldImg"/>
+          </p:nvPr>
+        </p:nvSpPr>
+        <p:spPr/>
+      </p:sp>
+      <p:sp>
+        <p:nvSpPr>
+          <p:cNvPr id="3" name="Notes Placeholder 2"/>
+          <p:cNvSpPr>
+            <a:spLocks noGrp="1"/>
+          </p:cNvSpPr>
+          <p:nvPr>
+            <p:ph type="body" idx="1"/>
+          </p:nvPr>
+        </p:nvSpPr>
+        <p:spPr/>
+        <p:txBody>
+          <a:bodyPr/>
+          <a:lstStyle/>
+          <a:p>
+            <a:r>
+              <a:rPr lang="en-US" dirty="0" err="1"/>
+              <a:t>Todo</a:t>
+            </a:r>
+            <a:r>
+              <a:rPr lang="en-US" dirty="0"/>
+              <a:t>: insert image here of 5 steps here</a:t>
+            </a:r>
+          </a:p>
+        </p:txBody>
+      </p:sp>
+      <p:sp>
+        <p:nvSpPr>
+          <p:cNvPr id="4" name="Slide Number Placeholder 3"/>
+          <p:cNvSpPr>
+            <a:spLocks noGrp="1"/>
+          </p:cNvSpPr>
+          <p:nvPr>
+            <p:ph type="sldNum" sz="quarter" idx="10"/>
+          </p:nvPr>
+        </p:nvSpPr>
+        <p:spPr/>
+        <p:txBody>
+          <a:bodyPr/>
+          <a:lstStyle/>
+          <a:p>
+            <a:fld id="{3D0F65F7-2AC7-4512-BA40-53C6E413B819}" type="slidenum">
+              <a:rPr lang="en-US" smtClean="0"/>
+              <a:t>14</a:t>
+            </a:fld>
+            <a:endParaRPr lang="en-US"/>
+          </a:p>
+        </p:txBody>
+      </p:sp>
+    </p:spTree>
+    <p:extLst>
+      <p:ext uri="{BB962C8B-B14F-4D97-AF65-F5344CB8AC3E}">
+        <p14:creationId xmlns:p14="http://schemas.microsoft.com/office/powerpoint/2010/main" val="2177561862"/>
       </p:ext>
     </p:extLst>
   </p:cSld>
@@ -4575,14 +4948,6 @@
 <file path=ppt/slides/slide10.xml><?xml version="1.0" encoding="utf-8"?>
 <p:sld xmlns:a="http://schemas.openxmlformats.org/drawingml/2006/main" xmlns:r="http://schemas.openxmlformats.org/officeDocument/2006/relationships" xmlns:p="http://schemas.openxmlformats.org/presentationml/2006/main">
   <p:cSld>
-    <p:bg>
-      <p:bgPr>
-        <a:solidFill>
-          <a:srgbClr val="E1D966"/>
-        </a:solidFill>
-        <a:effectLst/>
-      </p:bgPr>
-    </p:bg>
     <p:spTree>
       <p:nvGrpSpPr>
         <p:cNvPr id="1" name=""/>
@@ -4602,7 +4967,7 @@
           <p:cNvPr id="2" name="Title 1">
             <a:extLst>
               <a:ext uri="{FF2B5EF4-FFF2-40B4-BE49-F238E27FC236}">
-                <a16:creationId xmlns:a16="http://schemas.microsoft.com/office/drawing/2014/main" id="{F21FD01C-99A1-4743-BA8B-62C6FC729586}"/>
+                <a16:creationId xmlns:a16="http://schemas.microsoft.com/office/drawing/2014/main" id="{F93F3295-A3BE-4D4C-B882-1CAD76E0CE8C}"/>
               </a:ext>
             </a:extLst>
           </p:cNvPr>
@@ -4615,30 +4980,439 @@
         </p:nvSpPr>
         <p:spPr>
           <a:xfrm>
-            <a:off x="838200" y="2295525"/>
-            <a:ext cx="10515600" cy="1325563"/>
+            <a:off x="838200" y="0"/>
+            <a:ext cx="10515600" cy="810532"/>
           </a:xfrm>
         </p:spPr>
         <p:txBody>
-          <a:bodyPr/>
-          <a:lstStyle/>
-          <a:p>
-            <a:r>
-              <a:rPr lang="en-US" dirty="0">
-                <a:solidFill>
-                  <a:schemeClr val="bg1"/>
+          <a:bodyPr>
+            <a:normAutofit/>
+          </a:bodyPr>
+          <a:lstStyle/>
+          <a:p>
+            <a:pPr algn="ctr"/>
+            <a:r>
+              <a:rPr lang="en-US" sz="2000" dirty="0">
+                <a:solidFill>
+                  <a:srgbClr val="E1D966"/>
                 </a:solidFill>
                 <a:latin typeface="Arial Rounded MT Bold" panose="020F0704030504030204" pitchFamily="34" charset="0"/>
               </a:rPr>
-              <a:t>Dev</a:t>
-            </a:r>
+              <a:t>Color</a:t>
+            </a:r>
+          </a:p>
+        </p:txBody>
+      </p:sp>
+      <p:sp>
+        <p:nvSpPr>
+          <p:cNvPr id="4" name="TextBox 3">
+            <a:extLst>
+              <a:ext uri="{FF2B5EF4-FFF2-40B4-BE49-F238E27FC236}">
+                <a16:creationId xmlns:a16="http://schemas.microsoft.com/office/drawing/2014/main" id="{5BD7BD4D-102E-45EC-B495-DB35CBE96FE7}"/>
+              </a:ext>
+            </a:extLst>
+          </p:cNvPr>
+          <p:cNvSpPr txBox="1"/>
+          <p:nvPr/>
+        </p:nvSpPr>
+        <p:spPr>
+          <a:xfrm>
+            <a:off x="580570" y="1016391"/>
+            <a:ext cx="6502810" cy="1754326"/>
+          </a:xfrm>
+          <a:prstGeom prst="rect">
+            <a:avLst/>
+          </a:prstGeom>
+          <a:noFill/>
+        </p:spPr>
+        <p:txBody>
+          <a:bodyPr wrap="square" rtlCol="0">
+            <a:spAutoFit/>
+          </a:bodyPr>
+          <a:lstStyle/>
+          <a:p>
+            <a:pPr algn="just"/>
+            <a:r>
+              <a:rPr lang="en-US" dirty="0">
+                <a:solidFill>
+                  <a:srgbClr val="707070"/>
+                </a:solidFill>
+              </a:rPr>
+              <a:t>We have a main brand color that we try to incorporate anytime we create something in the name of </a:t>
+            </a:r>
+            <a:r>
+              <a:rPr lang="en-US" dirty="0" err="1">
+                <a:solidFill>
+                  <a:srgbClr val="707070"/>
+                </a:solidFill>
+              </a:rPr>
+              <a:t>Hachy</a:t>
+            </a:r>
+            <a:r>
+              <a:rPr lang="en-US" dirty="0">
+                <a:solidFill>
+                  <a:srgbClr val="707070"/>
+                </a:solidFill>
+              </a:rPr>
+              <a:t>. There are additional secondary and tertiary colors as well. Different shades with different opacity of each color can be also used . We also have a gradient that we use sparingly (to be determined, right now refer to primary color)</a:t>
+            </a:r>
+            <a:endParaRPr lang="ru-RU" dirty="0">
+              <a:solidFill>
+                <a:srgbClr val="707070"/>
+              </a:solidFill>
+            </a:endParaRPr>
+          </a:p>
+        </p:txBody>
+      </p:sp>
+      <p:sp>
+        <p:nvSpPr>
+          <p:cNvPr id="11" name="TextBox 10">
+            <a:extLst>
+              <a:ext uri="{FF2B5EF4-FFF2-40B4-BE49-F238E27FC236}">
+                <a16:creationId xmlns:a16="http://schemas.microsoft.com/office/drawing/2014/main" id="{35FCAD35-3DA5-4CA7-B4E0-C4572A899F77}"/>
+              </a:ext>
+            </a:extLst>
+          </p:cNvPr>
+          <p:cNvSpPr txBox="1"/>
+          <p:nvPr/>
+        </p:nvSpPr>
+        <p:spPr>
+          <a:xfrm>
+            <a:off x="8229600" y="1016391"/>
+            <a:ext cx="3124200" cy="1754326"/>
+          </a:xfrm>
+          <a:prstGeom prst="rect">
+            <a:avLst/>
+          </a:prstGeom>
+          <a:noFill/>
+        </p:spPr>
+        <p:txBody>
+          <a:bodyPr wrap="square" rtlCol="0">
+            <a:spAutoFit/>
+          </a:bodyPr>
+          <a:lstStyle/>
+          <a:p>
+            <a:pPr algn="ctr"/>
+            <a:r>
+              <a:rPr lang="en-US" b="1" dirty="0"/>
+              <a:t>Primary</a:t>
+            </a:r>
+          </a:p>
+          <a:p>
+            <a:r>
+              <a:rPr lang="en-US" dirty="0">
+                <a:solidFill>
+                  <a:srgbClr val="E1D966"/>
+                </a:solidFill>
+              </a:rPr>
+              <a:t>Brand Main: 	#ffd966</a:t>
+            </a:r>
+          </a:p>
+          <a:p>
+            <a:r>
+              <a:rPr lang="en-US" dirty="0">
+                <a:solidFill>
+                  <a:srgbClr val="E1C315"/>
+                </a:solidFill>
+              </a:rPr>
+              <a:t>Brand Dark: 	#ffc315</a:t>
+            </a:r>
+          </a:p>
+          <a:p>
+            <a:r>
+              <a:rPr lang="en-US" dirty="0"/>
+              <a:t>Brand Frame: 	#000000</a:t>
+            </a:r>
+          </a:p>
+          <a:p>
+            <a:r>
+              <a:rPr lang="en-US" dirty="0">
+                <a:solidFill>
+                  <a:srgbClr val="707070"/>
+                </a:solidFill>
+              </a:rPr>
+              <a:t>Brand Text: 	#707070</a:t>
+            </a:r>
+          </a:p>
+          <a:p>
+            <a:r>
+              <a:rPr lang="en-US" dirty="0">
+                <a:solidFill>
+                  <a:schemeClr val="bg1"/>
+                </a:solidFill>
+                <a:highlight>
+                  <a:srgbClr val="C0C0C0"/>
+                </a:highlight>
+              </a:rPr>
+              <a:t>Brand empty: 	#</a:t>
+            </a:r>
+            <a:r>
+              <a:rPr lang="en-US" dirty="0" err="1">
+                <a:solidFill>
+                  <a:schemeClr val="bg1"/>
+                </a:solidFill>
+                <a:highlight>
+                  <a:srgbClr val="C0C0C0"/>
+                </a:highlight>
+              </a:rPr>
+              <a:t>ffffff</a:t>
+            </a:r>
+            <a:endParaRPr lang="en-US" dirty="0">
+              <a:solidFill>
+                <a:schemeClr val="bg1"/>
+              </a:solidFill>
+              <a:highlight>
+                <a:srgbClr val="C0C0C0"/>
+              </a:highlight>
+            </a:endParaRPr>
+          </a:p>
+        </p:txBody>
+      </p:sp>
+      <p:sp>
+        <p:nvSpPr>
+          <p:cNvPr id="13" name="TextBox 12">
+            <a:extLst>
+              <a:ext uri="{FF2B5EF4-FFF2-40B4-BE49-F238E27FC236}">
+                <a16:creationId xmlns:a16="http://schemas.microsoft.com/office/drawing/2014/main" id="{4CEF1B36-0650-4865-89C5-EB32793EFA80}"/>
+              </a:ext>
+            </a:extLst>
+          </p:cNvPr>
+          <p:cNvSpPr txBox="1"/>
+          <p:nvPr/>
+        </p:nvSpPr>
+        <p:spPr>
+          <a:xfrm>
+            <a:off x="580570" y="4087283"/>
+            <a:ext cx="3020586" cy="923330"/>
+          </a:xfrm>
+          <a:prstGeom prst="rect">
+            <a:avLst/>
+          </a:prstGeom>
+          <a:noFill/>
+        </p:spPr>
+        <p:txBody>
+          <a:bodyPr wrap="square" rtlCol="0">
+            <a:spAutoFit/>
+          </a:bodyPr>
+          <a:lstStyle/>
+          <a:p>
+            <a:pPr algn="ctr"/>
+            <a:r>
+              <a:rPr lang="en-US" b="1" dirty="0"/>
+              <a:t>Secondary</a:t>
+            </a:r>
+          </a:p>
+          <a:p>
+            <a:r>
+              <a:rPr lang="en-US" dirty="0">
+                <a:solidFill>
+                  <a:srgbClr val="707070"/>
+                </a:solidFill>
+              </a:rPr>
+              <a:t>Close to text color but with diff transparency and intensity</a:t>
+            </a:r>
+            <a:endParaRPr lang="en-US" dirty="0">
+              <a:solidFill>
+                <a:srgbClr val="707070"/>
+              </a:solidFill>
+              <a:highlight>
+                <a:srgbClr val="C0C0C0"/>
+              </a:highlight>
+            </a:endParaRPr>
+          </a:p>
+        </p:txBody>
+      </p:sp>
+      <p:sp>
+        <p:nvSpPr>
+          <p:cNvPr id="16" name="TextBox 15">
+            <a:extLst>
+              <a:ext uri="{FF2B5EF4-FFF2-40B4-BE49-F238E27FC236}">
+                <a16:creationId xmlns:a16="http://schemas.microsoft.com/office/drawing/2014/main" id="{DEEE00DB-2171-4FFD-AF6E-CA905B3724EE}"/>
+              </a:ext>
+            </a:extLst>
+          </p:cNvPr>
+          <p:cNvSpPr txBox="1"/>
+          <p:nvPr/>
+        </p:nvSpPr>
+        <p:spPr>
+          <a:xfrm>
+            <a:off x="4394197" y="4133449"/>
+            <a:ext cx="3020586" cy="1200329"/>
+          </a:xfrm>
+          <a:prstGeom prst="rect">
+            <a:avLst/>
+          </a:prstGeom>
+          <a:noFill/>
+        </p:spPr>
+        <p:txBody>
+          <a:bodyPr wrap="square" rtlCol="0">
+            <a:spAutoFit/>
+          </a:bodyPr>
+          <a:lstStyle/>
+          <a:p>
+            <a:pPr algn="ctr"/>
+            <a:r>
+              <a:rPr lang="en-US" b="1" dirty="0"/>
+              <a:t>Tertiary</a:t>
+            </a:r>
+          </a:p>
+          <a:p>
+            <a:r>
+              <a:rPr lang="en-US" dirty="0">
+                <a:solidFill>
+                  <a:srgbClr val="E1D966"/>
+                </a:solidFill>
+              </a:rPr>
+              <a:t>Close to brand color with different transparency and intensity</a:t>
+            </a:r>
+            <a:endParaRPr lang="en-US" dirty="0">
+              <a:solidFill>
+                <a:schemeClr val="bg1"/>
+              </a:solidFill>
+              <a:highlight>
+                <a:srgbClr val="C0C0C0"/>
+              </a:highlight>
+            </a:endParaRPr>
+          </a:p>
+        </p:txBody>
+      </p:sp>
+      <p:sp>
+        <p:nvSpPr>
+          <p:cNvPr id="17" name="TextBox 16">
+            <a:extLst>
+              <a:ext uri="{FF2B5EF4-FFF2-40B4-BE49-F238E27FC236}">
+                <a16:creationId xmlns:a16="http://schemas.microsoft.com/office/drawing/2014/main" id="{CE70B970-3B9D-411C-A4AF-E65F8F64A935}"/>
+              </a:ext>
+            </a:extLst>
+          </p:cNvPr>
+          <p:cNvSpPr txBox="1"/>
+          <p:nvPr/>
+        </p:nvSpPr>
+        <p:spPr>
+          <a:xfrm>
+            <a:off x="8207825" y="4087283"/>
+            <a:ext cx="3020586" cy="646331"/>
+          </a:xfrm>
+          <a:prstGeom prst="rect">
+            <a:avLst/>
+          </a:prstGeom>
+          <a:noFill/>
+        </p:spPr>
+        <p:txBody>
+          <a:bodyPr wrap="square" rtlCol="0">
+            <a:spAutoFit/>
+          </a:bodyPr>
+          <a:lstStyle/>
+          <a:p>
+            <a:pPr algn="ctr"/>
+            <a:r>
+              <a:rPr lang="en-US" b="1" dirty="0"/>
+              <a:t>Gradient</a:t>
+            </a:r>
+          </a:p>
+          <a:p>
+            <a:r>
+              <a:rPr lang="en-US" dirty="0">
+                <a:solidFill>
+                  <a:srgbClr val="707070"/>
+                </a:solidFill>
+              </a:rPr>
+              <a:t>Secondary + tertiary</a:t>
+            </a:r>
+            <a:endParaRPr lang="en-US" dirty="0">
+              <a:solidFill>
+                <a:srgbClr val="707070"/>
+              </a:solidFill>
+              <a:highlight>
+                <a:srgbClr val="C0C0C0"/>
+              </a:highlight>
+            </a:endParaRPr>
+          </a:p>
+        </p:txBody>
+      </p:sp>
+      <p:sp>
+        <p:nvSpPr>
+          <p:cNvPr id="8" name="Rectangle: Rounded Corners 7">
+            <a:extLst>
+              <a:ext uri="{FF2B5EF4-FFF2-40B4-BE49-F238E27FC236}">
+                <a16:creationId xmlns:a16="http://schemas.microsoft.com/office/drawing/2014/main" id="{330CE0B8-951D-453E-999B-7118E476630C}"/>
+              </a:ext>
+            </a:extLst>
+          </p:cNvPr>
+          <p:cNvSpPr/>
+          <p:nvPr/>
+        </p:nvSpPr>
+        <p:spPr>
+          <a:xfrm>
+            <a:off x="8207824" y="4982468"/>
+            <a:ext cx="3020586" cy="1332950"/>
+          </a:xfrm>
+          <a:prstGeom prst="roundRect">
+            <a:avLst/>
+          </a:prstGeom>
+          <a:gradFill flip="none" rotWithShape="1">
+            <a:gsLst>
+              <a:gs pos="0">
+                <a:schemeClr val="accent4">
+                  <a:lumMod val="5000"/>
+                  <a:lumOff val="95000"/>
+                </a:schemeClr>
+              </a:gs>
+              <a:gs pos="74000">
+                <a:schemeClr val="accent4">
+                  <a:lumMod val="45000"/>
+                  <a:lumOff val="55000"/>
+                </a:schemeClr>
+              </a:gs>
+              <a:gs pos="83000">
+                <a:schemeClr val="accent4">
+                  <a:lumMod val="45000"/>
+                  <a:lumOff val="55000"/>
+                </a:schemeClr>
+              </a:gs>
+              <a:gs pos="100000">
+                <a:schemeClr val="accent4">
+                  <a:lumMod val="30000"/>
+                  <a:lumOff val="70000"/>
+                </a:schemeClr>
+              </a:gs>
+            </a:gsLst>
+            <a:lin ang="5400000" scaled="1"/>
+            <a:tileRect/>
+          </a:gradFill>
+          <a:ln>
+            <a:noFill/>
+          </a:ln>
+        </p:spPr>
+        <p:style>
+          <a:lnRef idx="2">
+            <a:schemeClr val="accent1">
+              <a:shade val="50000"/>
+            </a:schemeClr>
+          </a:lnRef>
+          <a:fillRef idx="1">
+            <a:schemeClr val="accent1"/>
+          </a:fillRef>
+          <a:effectRef idx="0">
+            <a:schemeClr val="accent1"/>
+          </a:effectRef>
+          <a:fontRef idx="minor">
+            <a:schemeClr val="lt1"/>
+          </a:fontRef>
+        </p:style>
+        <p:txBody>
+          <a:bodyPr rtlCol="0" anchor="ctr"/>
+          <a:lstStyle/>
+          <a:p>
+            <a:pPr algn="ctr"/>
+            <a:endParaRPr lang="en-US"/>
           </a:p>
         </p:txBody>
       </p:sp>
     </p:spTree>
     <p:extLst>
       <p:ext uri="{BB962C8B-B14F-4D97-AF65-F5344CB8AC3E}">
-        <p14:creationId xmlns:p14="http://schemas.microsoft.com/office/powerpoint/2010/main" val="4168161603"/>
+        <p14:creationId xmlns:p14="http://schemas.microsoft.com/office/powerpoint/2010/main" val="3360581131"/>
       </p:ext>
     </p:extLst>
   </p:cSld>
@@ -4701,17 +5475,17 @@
                 </a:solidFill>
                 <a:latin typeface="Arial Rounded MT Bold" panose="020F0704030504030204" pitchFamily="34" charset="0"/>
               </a:rPr>
-              <a:t>Hachy Development Overview</a:t>
-            </a:r>
-          </a:p>
-        </p:txBody>
-      </p:sp>
-      <p:sp>
-        <p:nvSpPr>
-          <p:cNvPr id="5" name="TextBox 4">
-            <a:extLst>
-              <a:ext uri="{FF2B5EF4-FFF2-40B4-BE49-F238E27FC236}">
-                <a16:creationId xmlns:a16="http://schemas.microsoft.com/office/drawing/2014/main" id="{813946C5-1BF0-41CA-A246-B236CDE72EA2}"/>
+              <a:t>Typography</a:t>
+            </a:r>
+          </a:p>
+        </p:txBody>
+      </p:sp>
+      <p:sp>
+        <p:nvSpPr>
+          <p:cNvPr id="4" name="TextBox 3">
+            <a:extLst>
+              <a:ext uri="{FF2B5EF4-FFF2-40B4-BE49-F238E27FC236}">
+                <a16:creationId xmlns:a16="http://schemas.microsoft.com/office/drawing/2014/main" id="{5BD7BD4D-102E-45EC-B495-DB35CBE96FE7}"/>
               </a:ext>
             </a:extLst>
           </p:cNvPr>
@@ -4720,8 +5494,8 @@
         </p:nvSpPr>
         <p:spPr>
           <a:xfrm>
-            <a:off x="838200" y="1069145"/>
-            <a:ext cx="4029222" cy="4801314"/>
+            <a:off x="580570" y="1016391"/>
+            <a:ext cx="5639926" cy="646331"/>
           </a:xfrm>
           <a:prstGeom prst="rect">
             <a:avLst/>
@@ -4734,175 +5508,85 @@
           </a:bodyPr>
           <a:lstStyle/>
           <a:p>
-            <a:r>
-              <a:rPr lang="en-US" dirty="0"/>
-              <a:t>Android:</a:t>
-            </a:r>
-          </a:p>
-          <a:p>
-            <a:pPr marL="285750" indent="-285750">
-              <a:buFont typeface="Arial" panose="020B0604020202020204" pitchFamily="34" charset="0"/>
-              <a:buChar char="•"/>
-            </a:pPr>
-            <a:r>
-              <a:rPr lang="en-US" dirty="0"/>
-              <a:t>Kotlin 1.3.0—beta framework</a:t>
-            </a:r>
-          </a:p>
-          <a:p>
-            <a:pPr marL="285750" indent="-285750">
-              <a:buFont typeface="Arial" panose="020B0604020202020204" pitchFamily="34" charset="0"/>
-              <a:buChar char="•"/>
-            </a:pPr>
-            <a:r>
-              <a:rPr lang="en-US" dirty="0"/>
-              <a:t>Java 8+ for Heavy Lifting Algorithm</a:t>
-            </a:r>
-          </a:p>
-          <a:p>
-            <a:pPr marL="285750" indent="-285750">
-              <a:buFont typeface="Arial" panose="020B0604020202020204" pitchFamily="34" charset="0"/>
-              <a:buChar char="•"/>
-            </a:pPr>
-            <a:r>
-              <a:rPr lang="en-US" dirty="0"/>
-              <a:t>C++ for </a:t>
-            </a:r>
-            <a:r>
-              <a:rPr lang="en-US" dirty="0" err="1"/>
-              <a:t>Tensorflow</a:t>
-            </a:r>
-            <a:r>
-              <a:rPr lang="en-US" dirty="0"/>
-              <a:t> core (not </a:t>
-            </a:r>
-            <a:r>
-              <a:rPr lang="en-US" dirty="0" err="1"/>
-              <a:t>impl</a:t>
-            </a:r>
-            <a:r>
-              <a:rPr lang="en-US" dirty="0"/>
-              <a:t>)</a:t>
-            </a:r>
-          </a:p>
-          <a:p>
-            <a:pPr marL="285750" indent="-285750">
-              <a:buFont typeface="Arial" panose="020B0604020202020204" pitchFamily="34" charset="0"/>
-              <a:buChar char="•"/>
-            </a:pPr>
-            <a:r>
-              <a:rPr lang="en-US" dirty="0"/>
-              <a:t>MVP Architecture</a:t>
-            </a:r>
-          </a:p>
-          <a:p>
-            <a:pPr marL="285750" indent="-285750">
-              <a:buFont typeface="Arial" panose="020B0604020202020204" pitchFamily="34" charset="0"/>
-              <a:buChar char="•"/>
-            </a:pPr>
-            <a:r>
-              <a:rPr lang="en-US" dirty="0"/>
-              <a:t>Dalvik Testing Framework</a:t>
-            </a:r>
-          </a:p>
-          <a:p>
-            <a:endParaRPr lang="en-US" dirty="0"/>
-          </a:p>
-          <a:p>
-            <a:r>
-              <a:rPr lang="en-US" dirty="0"/>
-              <a:t>IOS</a:t>
-            </a:r>
-          </a:p>
-          <a:p>
-            <a:pPr marL="285750" indent="-285750">
-              <a:buFont typeface="Arial" panose="020B0604020202020204" pitchFamily="34" charset="0"/>
-              <a:buChar char="•"/>
-            </a:pPr>
-            <a:r>
-              <a:rPr lang="en-US" dirty="0"/>
-              <a:t>Swift</a:t>
-            </a:r>
-            <a:r>
-              <a:rPr lang="ru-RU" dirty="0"/>
-              <a:t> 4</a:t>
-            </a:r>
-            <a:r>
-              <a:rPr lang="en-US" dirty="0"/>
-              <a:t>.1</a:t>
-            </a:r>
-          </a:p>
-          <a:p>
-            <a:pPr marL="285750" indent="-285750">
-              <a:buFont typeface="Arial" panose="020B0604020202020204" pitchFamily="34" charset="0"/>
-              <a:buChar char="•"/>
-            </a:pPr>
-            <a:r>
-              <a:rPr lang="en-US" dirty="0"/>
-              <a:t>MVC</a:t>
-            </a:r>
-          </a:p>
-          <a:p>
-            <a:pPr marL="285750" indent="-285750">
-              <a:buFont typeface="Arial" panose="020B0604020202020204" pitchFamily="34" charset="0"/>
-              <a:buChar char="•"/>
-            </a:pPr>
-            <a:r>
-              <a:rPr lang="en-US" dirty="0"/>
-              <a:t>Fastline.io Testing Framework</a:t>
-            </a:r>
-          </a:p>
-          <a:p>
-            <a:pPr marL="285750" indent="-285750">
-              <a:buFont typeface="Arial" panose="020B0604020202020204" pitchFamily="34" charset="0"/>
-              <a:buChar char="•"/>
-            </a:pPr>
-            <a:endParaRPr lang="en-US" dirty="0"/>
-          </a:p>
-          <a:p>
-            <a:r>
-              <a:rPr lang="en-US" dirty="0"/>
-              <a:t>Web</a:t>
-            </a:r>
-          </a:p>
-          <a:p>
-            <a:pPr marL="285750" indent="-285750">
-              <a:buFont typeface="Arial" panose="020B0604020202020204" pitchFamily="34" charset="0"/>
-              <a:buChar char="•"/>
-            </a:pPr>
-            <a:r>
-              <a:rPr lang="en-US" dirty="0"/>
-              <a:t>Angular2 </a:t>
-            </a:r>
+            <a:pPr algn="just"/>
             <a:r>
               <a:rPr lang="en-US" dirty="0">
-                <a:sym typeface="Wingdings" panose="05000000000000000000" pitchFamily="2" charset="2"/>
+                <a:solidFill>
+                  <a:srgbClr val="707070"/>
+                </a:solidFill>
               </a:rPr>
-              <a:t> 4</a:t>
-            </a:r>
-            <a:endParaRPr lang="ru-RU" dirty="0"/>
-          </a:p>
-          <a:p>
-            <a:endParaRPr lang="en-US" dirty="0"/>
-          </a:p>
-          <a:p>
-            <a:pPr marL="285750" indent="-285750">
-              <a:buFont typeface="Arial" panose="020B0604020202020204" pitchFamily="34" charset="0"/>
-              <a:buChar char="•"/>
-            </a:pPr>
-            <a:endParaRPr lang="en-US" dirty="0"/>
-          </a:p>
-          <a:p>
-            <a:endParaRPr lang="en-US" dirty="0"/>
-          </a:p>
-        </p:txBody>
-      </p:sp>
-      <p:sp>
-        <p:nvSpPr>
-          <p:cNvPr id="10" name="TextBox 9">
-            <a:extLst>
-              <a:ext uri="{FF2B5EF4-FFF2-40B4-BE49-F238E27FC236}">
-                <a16:creationId xmlns:a16="http://schemas.microsoft.com/office/drawing/2014/main" id="{7D696B7E-D194-4282-A989-92D564235698}"/>
+              <a:t>Our </a:t>
+            </a:r>
+            <a:r>
+              <a:rPr lang="en-US" dirty="0" err="1">
+                <a:solidFill>
+                  <a:srgbClr val="707070"/>
+                </a:solidFill>
+              </a:rPr>
+              <a:t>Ui</a:t>
+            </a:r>
+            <a:r>
+              <a:rPr lang="en-US" dirty="0">
+                <a:solidFill>
+                  <a:srgbClr val="707070"/>
+                </a:solidFill>
+              </a:rPr>
+              <a:t> font for IOS is </a:t>
+            </a:r>
+            <a:r>
+              <a:rPr lang="en-US" b="1" dirty="0">
+                <a:solidFill>
+                  <a:srgbClr val="707070"/>
+                </a:solidFill>
+              </a:rPr>
+              <a:t>Gotham</a:t>
+            </a:r>
+            <a:r>
+              <a:rPr lang="en-US" dirty="0">
+                <a:solidFill>
+                  <a:srgbClr val="707070"/>
+                </a:solidFill>
+              </a:rPr>
+              <a:t>, and for Android it’s </a:t>
+            </a:r>
+            <a:r>
+              <a:rPr lang="en-US" b="1" dirty="0">
+                <a:solidFill>
+                  <a:srgbClr val="707070"/>
+                </a:solidFill>
+              </a:rPr>
+              <a:t>Roboto</a:t>
+            </a:r>
+            <a:r>
+              <a:rPr lang="en-US" dirty="0">
+                <a:solidFill>
+                  <a:srgbClr val="707070"/>
+                </a:solidFill>
+              </a:rPr>
+              <a:t>. For title or header, we use </a:t>
+            </a:r>
+            <a:r>
+              <a:rPr lang="en-US" b="1" dirty="0">
+                <a:solidFill>
+                  <a:srgbClr val="707070"/>
+                </a:solidFill>
+              </a:rPr>
+              <a:t>Arial Rounded MT Bold</a:t>
+            </a:r>
+            <a:endParaRPr lang="ru-RU" b="1" dirty="0">
+              <a:solidFill>
+                <a:srgbClr val="707070"/>
+              </a:solidFill>
+            </a:endParaRPr>
+          </a:p>
+        </p:txBody>
+      </p:sp>
+      <p:sp>
+        <p:nvSpPr>
+          <p:cNvPr id="13" name="TextBox 12">
+            <a:extLst>
+              <a:ext uri="{FF2B5EF4-FFF2-40B4-BE49-F238E27FC236}">
+                <a16:creationId xmlns:a16="http://schemas.microsoft.com/office/drawing/2014/main" id="{4CEF1B36-0650-4865-89C5-EB32793EFA80}"/>
               </a:ext>
             </a:extLst>
           </p:cNvPr>
@@ -4911,8 +5595,8 @@
         </p:nvSpPr>
         <p:spPr>
           <a:xfrm>
-            <a:off x="5098366" y="1069145"/>
-            <a:ext cx="6676291" cy="4524315"/>
+            <a:off x="1520726" y="3348619"/>
+            <a:ext cx="3020586" cy="1477328"/>
           </a:xfrm>
           <a:prstGeom prst="rect">
             <a:avLst/>
@@ -4925,171 +5609,179 @@
           </a:bodyPr>
           <a:lstStyle/>
           <a:p>
+            <a:pPr algn="ctr"/>
+            <a:r>
+              <a:rPr lang="en-US" b="1" dirty="0">
+                <a:latin typeface="Gotham"/>
+              </a:rPr>
+              <a:t>Gotham</a:t>
+            </a:r>
+          </a:p>
+          <a:p>
+            <a:pPr algn="ctr"/>
+            <a:endParaRPr lang="en-US" b="1" dirty="0">
+              <a:latin typeface="Gotham"/>
+            </a:endParaRPr>
+          </a:p>
+          <a:p>
+            <a:pPr algn="ctr"/>
+            <a:r>
+              <a:rPr lang="en-US" dirty="0">
+                <a:latin typeface="Gotham"/>
+              </a:rPr>
+              <a:t>Regular</a:t>
+            </a:r>
+          </a:p>
+          <a:p>
+            <a:pPr algn="ctr"/>
+            <a:r>
+              <a:rPr lang="en-US" dirty="0">
+                <a:latin typeface="Gotham"/>
+              </a:rPr>
+              <a:t>Medium</a:t>
+            </a:r>
+          </a:p>
+          <a:p>
+            <a:pPr algn="ctr"/>
+            <a:r>
+              <a:rPr lang="en-US" b="1" dirty="0">
+                <a:latin typeface="Gotham"/>
+              </a:rPr>
+              <a:t>Bold</a:t>
+            </a:r>
+          </a:p>
+        </p:txBody>
+      </p:sp>
+      <p:sp>
+        <p:nvSpPr>
+          <p:cNvPr id="9" name="TextBox 8">
+            <a:extLst>
+              <a:ext uri="{FF2B5EF4-FFF2-40B4-BE49-F238E27FC236}">
+                <a16:creationId xmlns:a16="http://schemas.microsoft.com/office/drawing/2014/main" id="{8294C721-8C3E-479F-A2AF-BBA93BD3F55C}"/>
+              </a:ext>
+            </a:extLst>
+          </p:cNvPr>
+          <p:cNvSpPr txBox="1"/>
+          <p:nvPr/>
+        </p:nvSpPr>
+        <p:spPr>
+          <a:xfrm>
+            <a:off x="4541312" y="3348619"/>
+            <a:ext cx="3020586" cy="1477328"/>
+          </a:xfrm>
+          <a:prstGeom prst="rect">
+            <a:avLst/>
+          </a:prstGeom>
+          <a:noFill/>
+        </p:spPr>
+        <p:txBody>
+          <a:bodyPr wrap="square" rtlCol="0">
+            <a:spAutoFit/>
+          </a:bodyPr>
+          <a:lstStyle/>
+          <a:p>
+            <a:pPr algn="ctr"/>
+            <a:r>
+              <a:rPr lang="en-US" b="1" dirty="0">
+                <a:latin typeface="Roboto"/>
+              </a:rPr>
+              <a:t>Roboto</a:t>
+            </a:r>
+          </a:p>
+          <a:p>
+            <a:pPr algn="ctr"/>
+            <a:endParaRPr lang="en-US" b="1" dirty="0">
+              <a:latin typeface="Roboto"/>
+            </a:endParaRPr>
+          </a:p>
+          <a:p>
+            <a:pPr algn="ctr"/>
+            <a:r>
+              <a:rPr lang="en-US" dirty="0">
+                <a:latin typeface="Roboto"/>
+              </a:rPr>
+              <a:t>Regular</a:t>
+            </a:r>
+          </a:p>
+          <a:p>
+            <a:pPr algn="ctr"/>
+            <a:r>
+              <a:rPr lang="en-US" dirty="0">
+                <a:latin typeface="Roboto"/>
+              </a:rPr>
+              <a:t>Medium</a:t>
+            </a:r>
+          </a:p>
+          <a:p>
+            <a:pPr algn="ctr"/>
+            <a:r>
+              <a:rPr lang="en-US" b="1" dirty="0">
+                <a:latin typeface="Roboto"/>
+              </a:rPr>
+              <a:t>Bold</a:t>
+            </a:r>
+          </a:p>
+        </p:txBody>
+      </p:sp>
+      <p:sp>
+        <p:nvSpPr>
+          <p:cNvPr id="10" name="TextBox 9">
+            <a:extLst>
+              <a:ext uri="{FF2B5EF4-FFF2-40B4-BE49-F238E27FC236}">
+                <a16:creationId xmlns:a16="http://schemas.microsoft.com/office/drawing/2014/main" id="{7FFD1CB3-3EAF-4E88-9E1E-803F4555E5F7}"/>
+              </a:ext>
+            </a:extLst>
+          </p:cNvPr>
+          <p:cNvSpPr txBox="1"/>
+          <p:nvPr/>
+        </p:nvSpPr>
+        <p:spPr>
+          <a:xfrm>
+            <a:off x="7561898" y="3348619"/>
+            <a:ext cx="3020586" cy="1477328"/>
+          </a:xfrm>
+          <a:prstGeom prst="rect">
+            <a:avLst/>
+          </a:prstGeom>
+          <a:noFill/>
+        </p:spPr>
+        <p:txBody>
+          <a:bodyPr wrap="square" rtlCol="0">
+            <a:spAutoFit/>
+          </a:bodyPr>
+          <a:lstStyle/>
+          <a:p>
+            <a:pPr algn="ctr"/>
+            <a:r>
+              <a:rPr lang="en-US" b="1" dirty="0">
+                <a:latin typeface="Arial Rounded MT Bold" panose="020F0704030504030204" pitchFamily="34" charset="0"/>
+              </a:rPr>
+              <a:t>Arial Rounded MT Bold</a:t>
+            </a:r>
+          </a:p>
+          <a:p>
+            <a:pPr algn="ctr"/>
+            <a:endParaRPr lang="en-US" b="1" dirty="0"/>
+          </a:p>
+          <a:p>
+            <a:pPr algn="ctr"/>
             <a:r>
               <a:rPr lang="en-US" dirty="0"/>
-              <a:t>Backend</a:t>
-            </a:r>
-            <a:endParaRPr lang="ru-RU" dirty="0"/>
-          </a:p>
-          <a:p>
-            <a:pPr marL="285750" indent="-285750">
-              <a:buFont typeface="Arial" panose="020B0604020202020204" pitchFamily="34" charset="0"/>
-              <a:buChar char="•"/>
-            </a:pPr>
+              <a:t>Regular</a:t>
+            </a:r>
+          </a:p>
+          <a:p>
+            <a:pPr algn="ctr"/>
             <a:r>
               <a:rPr lang="en-US" dirty="0"/>
-              <a:t>Abstracted Backend Development</a:t>
-            </a:r>
-          </a:p>
-          <a:p>
-            <a:pPr marL="285750" indent="-285750">
-              <a:buFont typeface="Arial" panose="020B0604020202020204" pitchFamily="34" charset="0"/>
-              <a:buChar char="•"/>
-            </a:pPr>
-            <a:r>
-              <a:rPr lang="en-US" dirty="0"/>
-              <a:t>Currently hosted on Google Firebase</a:t>
-            </a:r>
-          </a:p>
-          <a:p>
-            <a:pPr marL="285750" indent="-285750">
-              <a:buFont typeface="Arial" panose="020B0604020202020204" pitchFamily="34" charset="0"/>
-              <a:buChar char="•"/>
-            </a:pPr>
-            <a:r>
-              <a:rPr lang="en-US" dirty="0"/>
-              <a:t>To be adapt on MS Azure/AWS/GCE</a:t>
-            </a:r>
-          </a:p>
-          <a:p>
-            <a:pPr marL="285750" indent="-285750">
-              <a:buFont typeface="Arial" panose="020B0604020202020204" pitchFamily="34" charset="0"/>
-              <a:buChar char="•"/>
-            </a:pPr>
-            <a:r>
-              <a:rPr lang="en-US" dirty="0"/>
-              <a:t>Coded in NodeJS/Express/Java</a:t>
-            </a:r>
-          </a:p>
-          <a:p>
-            <a:pPr marL="285750" indent="-285750">
-              <a:buFont typeface="Arial" panose="020B0604020202020204" pitchFamily="34" charset="0"/>
-              <a:buChar char="•"/>
-            </a:pPr>
-            <a:endParaRPr lang="en-US" dirty="0"/>
-          </a:p>
-          <a:p>
-            <a:endParaRPr lang="en-US" dirty="0"/>
-          </a:p>
-          <a:p>
-            <a:r>
-              <a:rPr lang="en-US" dirty="0"/>
-              <a:t>Database: </a:t>
-            </a:r>
-          </a:p>
-          <a:p>
-            <a:pPr marL="285750" indent="-285750">
-              <a:buFont typeface="Arial" panose="020B0604020202020204" pitchFamily="34" charset="0"/>
-              <a:buChar char="•"/>
-            </a:pPr>
-            <a:r>
-              <a:rPr lang="en-US" dirty="0"/>
-              <a:t>SQL relational Database for log</a:t>
-            </a:r>
-          </a:p>
-          <a:p>
-            <a:pPr marL="285750" indent="-285750">
-              <a:buFont typeface="Arial" panose="020B0604020202020204" pitchFamily="34" charset="0"/>
-              <a:buChar char="•"/>
-            </a:pPr>
-            <a:r>
-              <a:rPr lang="en-US" dirty="0"/>
-              <a:t>Blob Storage for</a:t>
-            </a:r>
-            <a:r>
-              <a:rPr lang="ru-RU" dirty="0"/>
-              <a:t> </a:t>
-            </a:r>
-            <a:r>
-              <a:rPr lang="en-US" dirty="0"/>
-              <a:t>Image and files</a:t>
-            </a:r>
-            <a:endParaRPr lang="ru-RU" dirty="0"/>
-          </a:p>
-          <a:p>
-            <a:pPr marL="285750" indent="-285750">
-              <a:buFont typeface="Arial" panose="020B0604020202020204" pitchFamily="34" charset="0"/>
-              <a:buChar char="•"/>
-            </a:pPr>
-            <a:endParaRPr lang="ru-RU" dirty="0"/>
-          </a:p>
-          <a:p>
-            <a:r>
-              <a:rPr lang="en-US" dirty="0"/>
-              <a:t>Git: </a:t>
-            </a:r>
-          </a:p>
-          <a:p>
-            <a:pPr marL="285750" indent="-285750">
-              <a:buFont typeface="Arial" panose="020B0604020202020204" pitchFamily="34" charset="0"/>
-              <a:buChar char="•"/>
-            </a:pPr>
-            <a:r>
-              <a:rPr lang="nn-NO" dirty="0"/>
-              <a:t>Format: </a:t>
-            </a:r>
-            <a:r>
-              <a:rPr lang="nn-NO" dirty="0">
-                <a:hlinkClick r:id="rId3"/>
-              </a:rPr>
-              <a:t>VueJS format</a:t>
-            </a:r>
-            <a:r>
-              <a:rPr lang="nn-NO" dirty="0"/>
-              <a:t> (non-binding, we are chill)</a:t>
-            </a:r>
-          </a:p>
-          <a:p>
-            <a:pPr marL="285750" indent="-285750">
-              <a:buFont typeface="Arial" panose="020B0604020202020204" pitchFamily="34" charset="0"/>
-              <a:buChar char="•"/>
-            </a:pPr>
-            <a:r>
-              <a:rPr lang="en-US" dirty="0"/>
-              <a:t>Create a branch for feature implementation: </a:t>
-            </a:r>
-            <a:r>
-              <a:rPr lang="en-US" dirty="0" err="1"/>
-              <a:t>eg.</a:t>
-            </a:r>
-            <a:r>
-              <a:rPr lang="en-US" dirty="0"/>
-              <a:t> feat-</a:t>
-            </a:r>
-            <a:r>
-              <a:rPr lang="en-US" dirty="0" err="1"/>
-              <a:t>mainview</a:t>
-            </a:r>
-            <a:endParaRPr lang="en-US" dirty="0"/>
-          </a:p>
-          <a:p>
-            <a:pPr marL="285750" indent="-285750">
-              <a:buFont typeface="Arial" panose="020B0604020202020204" pitchFamily="34" charset="0"/>
-              <a:buChar char="•"/>
-            </a:pPr>
-            <a:r>
-              <a:rPr lang="en-US" dirty="0"/>
-              <a:t>No need to create branch for addons and fixes</a:t>
-            </a:r>
-          </a:p>
-          <a:p>
-            <a:pPr marL="285750" indent="-285750">
-              <a:buFont typeface="Arial" panose="020B0604020202020204" pitchFamily="34" charset="0"/>
-              <a:buChar char="•"/>
-            </a:pPr>
-            <a:r>
-              <a:rPr lang="en-US" dirty="0"/>
-              <a:t>Currently work off master, may divert to dev branch in future</a:t>
+              <a:t>Medium</a:t>
+            </a:r>
+          </a:p>
+          <a:p>
+            <a:pPr algn="ctr"/>
+            <a:r>
+              <a:rPr lang="en-US" b="1" dirty="0"/>
+              <a:t>Bold</a:t>
             </a:r>
           </a:p>
         </p:txBody>
@@ -5097,7 +5789,7 @@
     </p:spTree>
     <p:extLst>
       <p:ext uri="{BB962C8B-B14F-4D97-AF65-F5344CB8AC3E}">
-        <p14:creationId xmlns:p14="http://schemas.microsoft.com/office/powerpoint/2010/main" val="4074576221"/>
+        <p14:creationId xmlns:p14="http://schemas.microsoft.com/office/powerpoint/2010/main" val="508671556"/>
       </p:ext>
     </p:extLst>
   </p:cSld>
@@ -5165,7 +5857,7 @@
                 </a:solidFill>
                 <a:latin typeface="Arial Rounded MT Bold" panose="020F0704030504030204" pitchFamily="34" charset="0"/>
               </a:rPr>
-              <a:t>Marketing</a:t>
+              <a:t>Dev</a:t>
             </a:r>
           </a:p>
         </p:txBody>
@@ -5173,7 +5865,7 @@
     </p:spTree>
     <p:extLst>
       <p:ext uri="{BB962C8B-B14F-4D97-AF65-F5344CB8AC3E}">
-        <p14:creationId xmlns:p14="http://schemas.microsoft.com/office/powerpoint/2010/main" val="670369928"/>
+        <p14:creationId xmlns:p14="http://schemas.microsoft.com/office/powerpoint/2010/main" val="4168161603"/>
       </p:ext>
     </p:extLst>
   </p:cSld>
@@ -5184,6 +5876,708 @@
 </file>
 
 <file path=ppt/slides/slide13.xml><?xml version="1.0" encoding="utf-8"?>
+<p:sld xmlns:a="http://schemas.openxmlformats.org/drawingml/2006/main" xmlns:r="http://schemas.openxmlformats.org/officeDocument/2006/relationships" xmlns:p="http://schemas.openxmlformats.org/presentationml/2006/main">
+  <p:cSld>
+    <p:spTree>
+      <p:nvGrpSpPr>
+        <p:cNvPr id="1" name=""/>
+        <p:cNvGrpSpPr/>
+        <p:nvPr/>
+      </p:nvGrpSpPr>
+      <p:grpSpPr>
+        <a:xfrm>
+          <a:off x="0" y="0"/>
+          <a:ext cx="0" cy="0"/>
+          <a:chOff x="0" y="0"/>
+          <a:chExt cx="0" cy="0"/>
+        </a:xfrm>
+      </p:grpSpPr>
+      <p:sp>
+        <p:nvSpPr>
+          <p:cNvPr id="2" name="Title 1">
+            <a:extLst>
+              <a:ext uri="{FF2B5EF4-FFF2-40B4-BE49-F238E27FC236}">
+                <a16:creationId xmlns:a16="http://schemas.microsoft.com/office/drawing/2014/main" id="{F93F3295-A3BE-4D4C-B882-1CAD76E0CE8C}"/>
+              </a:ext>
+            </a:extLst>
+          </p:cNvPr>
+          <p:cNvSpPr>
+            <a:spLocks noGrp="1"/>
+          </p:cNvSpPr>
+          <p:nvPr>
+            <p:ph type="title"/>
+          </p:nvPr>
+        </p:nvSpPr>
+        <p:spPr>
+          <a:xfrm>
+            <a:off x="838200" y="0"/>
+            <a:ext cx="10515600" cy="810532"/>
+          </a:xfrm>
+        </p:spPr>
+        <p:txBody>
+          <a:bodyPr>
+            <a:normAutofit/>
+          </a:bodyPr>
+          <a:lstStyle/>
+          <a:p>
+            <a:pPr algn="ctr"/>
+            <a:r>
+              <a:rPr lang="en-US" sz="2000" dirty="0">
+                <a:solidFill>
+                  <a:srgbClr val="E1D966"/>
+                </a:solidFill>
+                <a:latin typeface="Arial Rounded MT Bold" panose="020F0704030504030204" pitchFamily="34" charset="0"/>
+              </a:rPr>
+              <a:t>Client side Development Overview</a:t>
+            </a:r>
+          </a:p>
+        </p:txBody>
+      </p:sp>
+      <p:sp>
+        <p:nvSpPr>
+          <p:cNvPr id="5" name="TextBox 4">
+            <a:extLst>
+              <a:ext uri="{FF2B5EF4-FFF2-40B4-BE49-F238E27FC236}">
+                <a16:creationId xmlns:a16="http://schemas.microsoft.com/office/drawing/2014/main" id="{813946C5-1BF0-41CA-A246-B236CDE72EA2}"/>
+              </a:ext>
+            </a:extLst>
+          </p:cNvPr>
+          <p:cNvSpPr txBox="1"/>
+          <p:nvPr/>
+        </p:nvSpPr>
+        <p:spPr>
+          <a:xfrm>
+            <a:off x="1095777" y="1146419"/>
+            <a:ext cx="7327006" cy="5078313"/>
+          </a:xfrm>
+          <a:prstGeom prst="rect">
+            <a:avLst/>
+          </a:prstGeom>
+          <a:noFill/>
+        </p:spPr>
+        <p:txBody>
+          <a:bodyPr wrap="square" rtlCol="0">
+            <a:spAutoFit/>
+          </a:bodyPr>
+          <a:lstStyle/>
+          <a:p>
+            <a:r>
+              <a:rPr lang="en-US" dirty="0"/>
+              <a:t>Android:</a:t>
+            </a:r>
+          </a:p>
+          <a:p>
+            <a:pPr marL="285750" indent="-285750">
+              <a:buFont typeface="Arial" panose="020B0604020202020204" pitchFamily="34" charset="0"/>
+              <a:buChar char="•"/>
+            </a:pPr>
+            <a:r>
+              <a:rPr lang="en-US" dirty="0"/>
+              <a:t>Kotlin 1.3.0—Android framework</a:t>
+            </a:r>
+          </a:p>
+          <a:p>
+            <a:pPr marL="285750" indent="-285750">
+              <a:buFont typeface="Arial" panose="020B0604020202020204" pitchFamily="34" charset="0"/>
+              <a:buChar char="•"/>
+            </a:pPr>
+            <a:r>
+              <a:rPr lang="en-US" dirty="0"/>
+              <a:t>Java 8+ for Heavy Lifting Algorithm</a:t>
+            </a:r>
+          </a:p>
+          <a:p>
+            <a:pPr marL="285750" indent="-285750">
+              <a:buFont typeface="Arial" panose="020B0604020202020204" pitchFamily="34" charset="0"/>
+              <a:buChar char="•"/>
+            </a:pPr>
+            <a:r>
+              <a:rPr lang="en-US" dirty="0"/>
+              <a:t>C++ for TensorFlow core (not implemented)</a:t>
+            </a:r>
+          </a:p>
+          <a:p>
+            <a:pPr marL="285750" indent="-285750">
+              <a:buFont typeface="Arial" panose="020B0604020202020204" pitchFamily="34" charset="0"/>
+              <a:buChar char="•"/>
+            </a:pPr>
+            <a:r>
+              <a:rPr lang="en-US" dirty="0"/>
+              <a:t>MVP Architecture</a:t>
+            </a:r>
+          </a:p>
+          <a:p>
+            <a:pPr marL="285750" indent="-285750">
+              <a:buFont typeface="Arial" panose="020B0604020202020204" pitchFamily="34" charset="0"/>
+              <a:buChar char="•"/>
+            </a:pPr>
+            <a:r>
+              <a:rPr lang="en-US" dirty="0"/>
+              <a:t>Dalvik Testing Framework</a:t>
+            </a:r>
+          </a:p>
+          <a:p>
+            <a:endParaRPr lang="en-US" dirty="0"/>
+          </a:p>
+          <a:p>
+            <a:r>
+              <a:rPr lang="en-US" dirty="0"/>
+              <a:t>IOS</a:t>
+            </a:r>
+          </a:p>
+          <a:p>
+            <a:pPr marL="285750" indent="-285750">
+              <a:buFont typeface="Arial" panose="020B0604020202020204" pitchFamily="34" charset="0"/>
+              <a:buChar char="•"/>
+            </a:pPr>
+            <a:r>
+              <a:rPr lang="en-US" dirty="0"/>
+              <a:t>Swift</a:t>
+            </a:r>
+            <a:r>
+              <a:rPr lang="ru-RU" dirty="0"/>
+              <a:t> 4</a:t>
+            </a:r>
+            <a:r>
+              <a:rPr lang="en-US" dirty="0"/>
+              <a:t>.1</a:t>
+            </a:r>
+          </a:p>
+          <a:p>
+            <a:pPr marL="285750" indent="-285750">
+              <a:buFont typeface="Arial" panose="020B0604020202020204" pitchFamily="34" charset="0"/>
+              <a:buChar char="•"/>
+            </a:pPr>
+            <a:r>
+              <a:rPr lang="en-US" dirty="0"/>
+              <a:t>MVC</a:t>
+            </a:r>
+          </a:p>
+          <a:p>
+            <a:pPr marL="285750" indent="-285750">
+              <a:buFont typeface="Arial" panose="020B0604020202020204" pitchFamily="34" charset="0"/>
+              <a:buChar char="•"/>
+            </a:pPr>
+            <a:r>
+              <a:rPr lang="en-US" dirty="0"/>
+              <a:t>Fastline.io Testing Framework</a:t>
+            </a:r>
+          </a:p>
+          <a:p>
+            <a:pPr marL="285750" indent="-285750">
+              <a:buFont typeface="Arial" panose="020B0604020202020204" pitchFamily="34" charset="0"/>
+              <a:buChar char="•"/>
+            </a:pPr>
+            <a:endParaRPr lang="en-US" dirty="0"/>
+          </a:p>
+          <a:p>
+            <a:r>
+              <a:rPr lang="en-US" dirty="0"/>
+              <a:t>Web</a:t>
+            </a:r>
+          </a:p>
+          <a:p>
+            <a:pPr marL="285750" indent="-285750">
+              <a:buFont typeface="Arial" panose="020B0604020202020204" pitchFamily="34" charset="0"/>
+              <a:buChar char="•"/>
+            </a:pPr>
+            <a:r>
+              <a:rPr lang="en-US" dirty="0"/>
+              <a:t>Angular2 </a:t>
+            </a:r>
+            <a:r>
+              <a:rPr lang="en-US" dirty="0">
+                <a:sym typeface="Wingdings" panose="05000000000000000000" pitchFamily="2" charset="2"/>
+              </a:rPr>
+              <a:t> 4</a:t>
+            </a:r>
+            <a:endParaRPr lang="ru-RU" dirty="0"/>
+          </a:p>
+          <a:p>
+            <a:endParaRPr lang="en-US" dirty="0"/>
+          </a:p>
+          <a:p>
+            <a:r>
+              <a:rPr lang="en-US" dirty="0"/>
+              <a:t>DRY!</a:t>
+            </a:r>
+          </a:p>
+          <a:p>
+            <a:pPr marL="285750" indent="-285750">
+              <a:buFont typeface="Arial" panose="020B0604020202020204" pitchFamily="34" charset="0"/>
+              <a:buChar char="•"/>
+            </a:pPr>
+            <a:endParaRPr lang="en-US" dirty="0"/>
+          </a:p>
+          <a:p>
+            <a:endParaRPr lang="en-US" dirty="0"/>
+          </a:p>
+        </p:txBody>
+      </p:sp>
+    </p:spTree>
+    <p:extLst>
+      <p:ext uri="{BB962C8B-B14F-4D97-AF65-F5344CB8AC3E}">
+        <p14:creationId xmlns:p14="http://schemas.microsoft.com/office/powerpoint/2010/main" val="4074576221"/>
+      </p:ext>
+    </p:extLst>
+  </p:cSld>
+  <p:clrMapOvr>
+    <a:masterClrMapping/>
+  </p:clrMapOvr>
+</p:sld>
+</file>
+
+<file path=ppt/slides/slide14.xml><?xml version="1.0" encoding="utf-8"?>
+<p:sld xmlns:a="http://schemas.openxmlformats.org/drawingml/2006/main" xmlns:r="http://schemas.openxmlformats.org/officeDocument/2006/relationships" xmlns:p="http://schemas.openxmlformats.org/presentationml/2006/main">
+  <p:cSld>
+    <p:spTree>
+      <p:nvGrpSpPr>
+        <p:cNvPr id="1" name=""/>
+        <p:cNvGrpSpPr/>
+        <p:nvPr/>
+      </p:nvGrpSpPr>
+      <p:grpSpPr>
+        <a:xfrm>
+          <a:off x="0" y="0"/>
+          <a:ext cx="0" cy="0"/>
+          <a:chOff x="0" y="0"/>
+          <a:chExt cx="0" cy="0"/>
+        </a:xfrm>
+      </p:grpSpPr>
+      <p:sp>
+        <p:nvSpPr>
+          <p:cNvPr id="2" name="Title 1">
+            <a:extLst>
+              <a:ext uri="{FF2B5EF4-FFF2-40B4-BE49-F238E27FC236}">
+                <a16:creationId xmlns:a16="http://schemas.microsoft.com/office/drawing/2014/main" id="{F93F3295-A3BE-4D4C-B882-1CAD76E0CE8C}"/>
+              </a:ext>
+            </a:extLst>
+          </p:cNvPr>
+          <p:cNvSpPr>
+            <a:spLocks noGrp="1"/>
+          </p:cNvSpPr>
+          <p:nvPr>
+            <p:ph type="title"/>
+          </p:nvPr>
+        </p:nvSpPr>
+        <p:spPr>
+          <a:xfrm>
+            <a:off x="838200" y="0"/>
+            <a:ext cx="10515600" cy="810532"/>
+          </a:xfrm>
+        </p:spPr>
+        <p:txBody>
+          <a:bodyPr>
+            <a:normAutofit/>
+          </a:bodyPr>
+          <a:lstStyle/>
+          <a:p>
+            <a:pPr algn="ctr"/>
+            <a:r>
+              <a:rPr lang="en-US" sz="2000" dirty="0">
+                <a:solidFill>
+                  <a:srgbClr val="E1D966"/>
+                </a:solidFill>
+                <a:latin typeface="Arial Rounded MT Bold" panose="020F0704030504030204" pitchFamily="34" charset="0"/>
+              </a:rPr>
+              <a:t>Server side Development and Git</a:t>
+            </a:r>
+          </a:p>
+        </p:txBody>
+      </p:sp>
+      <p:sp>
+        <p:nvSpPr>
+          <p:cNvPr id="5" name="TextBox 4">
+            <a:extLst>
+              <a:ext uri="{FF2B5EF4-FFF2-40B4-BE49-F238E27FC236}">
+                <a16:creationId xmlns:a16="http://schemas.microsoft.com/office/drawing/2014/main" id="{813946C5-1BF0-41CA-A246-B236CDE72EA2}"/>
+              </a:ext>
+            </a:extLst>
+          </p:cNvPr>
+          <p:cNvSpPr txBox="1"/>
+          <p:nvPr/>
+        </p:nvSpPr>
+        <p:spPr>
+          <a:xfrm>
+            <a:off x="1095777" y="1146419"/>
+            <a:ext cx="7327006" cy="4524315"/>
+          </a:xfrm>
+          <a:prstGeom prst="rect">
+            <a:avLst/>
+          </a:prstGeom>
+          <a:noFill/>
+        </p:spPr>
+        <p:txBody>
+          <a:bodyPr wrap="square" rtlCol="0">
+            <a:spAutoFit/>
+          </a:bodyPr>
+          <a:lstStyle/>
+          <a:p>
+            <a:r>
+              <a:rPr lang="en-US" dirty="0"/>
+              <a:t>Backend</a:t>
+            </a:r>
+            <a:endParaRPr lang="ru-RU" dirty="0"/>
+          </a:p>
+          <a:p>
+            <a:pPr marL="285750" indent="-285750">
+              <a:buFont typeface="Arial" panose="020B0604020202020204" pitchFamily="34" charset="0"/>
+              <a:buChar char="•"/>
+            </a:pPr>
+            <a:r>
+              <a:rPr lang="en-US" dirty="0"/>
+              <a:t>Abstracted Backend Development</a:t>
+            </a:r>
+          </a:p>
+          <a:p>
+            <a:pPr marL="285750" indent="-285750">
+              <a:buFont typeface="Arial" panose="020B0604020202020204" pitchFamily="34" charset="0"/>
+              <a:buChar char="•"/>
+            </a:pPr>
+            <a:r>
+              <a:rPr lang="en-US" dirty="0"/>
+              <a:t>Currently hosted on Google Firebase</a:t>
+            </a:r>
+          </a:p>
+          <a:p>
+            <a:pPr marL="285750" indent="-285750">
+              <a:buFont typeface="Arial" panose="020B0604020202020204" pitchFamily="34" charset="0"/>
+              <a:buChar char="•"/>
+            </a:pPr>
+            <a:r>
+              <a:rPr lang="en-US" dirty="0"/>
+              <a:t>To be adapt on MS Azure/AWS/GCE</a:t>
+            </a:r>
+          </a:p>
+          <a:p>
+            <a:pPr marL="285750" indent="-285750">
+              <a:buFont typeface="Arial" panose="020B0604020202020204" pitchFamily="34" charset="0"/>
+              <a:buChar char="•"/>
+            </a:pPr>
+            <a:r>
+              <a:rPr lang="en-US" dirty="0"/>
+              <a:t>Coded in Node-</a:t>
+            </a:r>
+            <a:r>
+              <a:rPr lang="en-US" dirty="0" err="1"/>
+              <a:t>ExpressJS</a:t>
+            </a:r>
+            <a:r>
+              <a:rPr lang="en-US" dirty="0"/>
+              <a:t>/Java-</a:t>
+            </a:r>
+            <a:r>
+              <a:rPr lang="en-US" dirty="0" err="1"/>
+              <a:t>SpringMVC</a:t>
+            </a:r>
+            <a:endParaRPr lang="en-US" dirty="0"/>
+          </a:p>
+          <a:p>
+            <a:pPr marL="285750" indent="-285750">
+              <a:buFont typeface="Arial" panose="020B0604020202020204" pitchFamily="34" charset="0"/>
+              <a:buChar char="•"/>
+            </a:pPr>
+            <a:r>
+              <a:rPr lang="en-US" dirty="0"/>
+              <a:t>Firebase(development server)</a:t>
+            </a:r>
+          </a:p>
+          <a:p>
+            <a:endParaRPr lang="en-US" dirty="0"/>
+          </a:p>
+          <a:p>
+            <a:r>
+              <a:rPr lang="en-US" dirty="0"/>
+              <a:t>Database: </a:t>
+            </a:r>
+          </a:p>
+          <a:p>
+            <a:pPr marL="285750" indent="-285750">
+              <a:buFont typeface="Arial" panose="020B0604020202020204" pitchFamily="34" charset="0"/>
+              <a:buChar char="•"/>
+            </a:pPr>
+            <a:r>
+              <a:rPr lang="en-US" dirty="0"/>
+              <a:t>SQL relational Database for log</a:t>
+            </a:r>
+          </a:p>
+          <a:p>
+            <a:pPr marL="285750" indent="-285750">
+              <a:buFont typeface="Arial" panose="020B0604020202020204" pitchFamily="34" charset="0"/>
+              <a:buChar char="•"/>
+            </a:pPr>
+            <a:r>
+              <a:rPr lang="en-US" dirty="0"/>
+              <a:t>Blob Storage for</a:t>
+            </a:r>
+            <a:r>
+              <a:rPr lang="ru-RU" dirty="0"/>
+              <a:t> </a:t>
+            </a:r>
+            <a:r>
+              <a:rPr lang="en-US" dirty="0"/>
+              <a:t>Image and files</a:t>
+            </a:r>
+            <a:endParaRPr lang="ru-RU" dirty="0"/>
+          </a:p>
+          <a:p>
+            <a:pPr marL="285750" indent="-285750">
+              <a:buFont typeface="Arial" panose="020B0604020202020204" pitchFamily="34" charset="0"/>
+              <a:buChar char="•"/>
+            </a:pPr>
+            <a:endParaRPr lang="ru-RU" dirty="0"/>
+          </a:p>
+          <a:p>
+            <a:r>
+              <a:rPr lang="en-US" dirty="0"/>
+              <a:t>Git: </a:t>
+            </a:r>
+          </a:p>
+          <a:p>
+            <a:pPr marL="285750" indent="-285750">
+              <a:buFont typeface="Arial" panose="020B0604020202020204" pitchFamily="34" charset="0"/>
+              <a:buChar char="•"/>
+            </a:pPr>
+            <a:r>
+              <a:rPr lang="nn-NO" dirty="0"/>
+              <a:t>Format: </a:t>
+            </a:r>
+            <a:r>
+              <a:rPr lang="nn-NO" dirty="0">
+                <a:hlinkClick r:id="rId3"/>
+              </a:rPr>
+              <a:t>VueJS format</a:t>
+            </a:r>
+            <a:r>
+              <a:rPr lang="nn-NO" dirty="0"/>
+              <a:t> (non-binding, we are chill)</a:t>
+            </a:r>
+          </a:p>
+          <a:p>
+            <a:pPr marL="285750" indent="-285750">
+              <a:buFont typeface="Arial" panose="020B0604020202020204" pitchFamily="34" charset="0"/>
+              <a:buChar char="•"/>
+            </a:pPr>
+            <a:r>
+              <a:rPr lang="en-US" dirty="0"/>
+              <a:t>Create a branch for feature implementation: </a:t>
+            </a:r>
+            <a:r>
+              <a:rPr lang="en-US" dirty="0" err="1"/>
+              <a:t>eg.</a:t>
+            </a:r>
+            <a:r>
+              <a:rPr lang="en-US" dirty="0"/>
+              <a:t> feat-</a:t>
+            </a:r>
+            <a:r>
+              <a:rPr lang="en-US" dirty="0" err="1"/>
+              <a:t>mainview</a:t>
+            </a:r>
+            <a:endParaRPr lang="en-US" dirty="0"/>
+          </a:p>
+          <a:p>
+            <a:pPr marL="285750" indent="-285750">
+              <a:buFont typeface="Arial" panose="020B0604020202020204" pitchFamily="34" charset="0"/>
+              <a:buChar char="•"/>
+            </a:pPr>
+            <a:r>
+              <a:rPr lang="en-US" dirty="0"/>
+              <a:t>No need to create branch for addons and fixes</a:t>
+            </a:r>
+          </a:p>
+          <a:p>
+            <a:pPr marL="285750" indent="-285750">
+              <a:buFont typeface="Arial" panose="020B0604020202020204" pitchFamily="34" charset="0"/>
+              <a:buChar char="•"/>
+            </a:pPr>
+            <a:r>
+              <a:rPr lang="en-US" dirty="0"/>
+              <a:t>Currently work off master, may divert to dev branch in future</a:t>
+            </a:r>
+          </a:p>
+        </p:txBody>
+      </p:sp>
+    </p:spTree>
+    <p:extLst>
+      <p:ext uri="{BB962C8B-B14F-4D97-AF65-F5344CB8AC3E}">
+        <p14:creationId xmlns:p14="http://schemas.microsoft.com/office/powerpoint/2010/main" val="3970084491"/>
+      </p:ext>
+    </p:extLst>
+  </p:cSld>
+  <p:clrMapOvr>
+    <a:masterClrMapping/>
+  </p:clrMapOvr>
+</p:sld>
+</file>
+
+<file path=ppt/slides/slide15.xml><?xml version="1.0" encoding="utf-8"?>
+<p:sld xmlns:a="http://schemas.openxmlformats.org/drawingml/2006/main" xmlns:r="http://schemas.openxmlformats.org/officeDocument/2006/relationships" xmlns:p="http://schemas.openxmlformats.org/presentationml/2006/main">
+  <p:cSld>
+    <p:spTree>
+      <p:nvGrpSpPr>
+        <p:cNvPr id="1" name=""/>
+        <p:cNvGrpSpPr/>
+        <p:nvPr/>
+      </p:nvGrpSpPr>
+      <p:grpSpPr>
+        <a:xfrm>
+          <a:off x="0" y="0"/>
+          <a:ext cx="0" cy="0"/>
+          <a:chOff x="0" y="0"/>
+          <a:chExt cx="0" cy="0"/>
+        </a:xfrm>
+      </p:grpSpPr>
+      <p:sp>
+        <p:nvSpPr>
+          <p:cNvPr id="2" name="Title 1">
+            <a:extLst>
+              <a:ext uri="{FF2B5EF4-FFF2-40B4-BE49-F238E27FC236}">
+                <a16:creationId xmlns:a16="http://schemas.microsoft.com/office/drawing/2014/main" id="{F93F3295-A3BE-4D4C-B882-1CAD76E0CE8C}"/>
+              </a:ext>
+            </a:extLst>
+          </p:cNvPr>
+          <p:cNvSpPr>
+            <a:spLocks noGrp="1"/>
+          </p:cNvSpPr>
+          <p:nvPr>
+            <p:ph type="title"/>
+          </p:nvPr>
+        </p:nvSpPr>
+        <p:spPr>
+          <a:xfrm>
+            <a:off x="838200" y="0"/>
+            <a:ext cx="10515600" cy="810532"/>
+          </a:xfrm>
+        </p:spPr>
+        <p:txBody>
+          <a:bodyPr>
+            <a:normAutofit/>
+          </a:bodyPr>
+          <a:lstStyle/>
+          <a:p>
+            <a:pPr algn="ctr"/>
+            <a:r>
+              <a:rPr lang="en-US" sz="2000" dirty="0">
+                <a:solidFill>
+                  <a:srgbClr val="E1D966"/>
+                </a:solidFill>
+                <a:latin typeface="Arial Rounded MT Bold" panose="020F0704030504030204" pitchFamily="34" charset="0"/>
+              </a:rPr>
+              <a:t>Modals</a:t>
+            </a:r>
+          </a:p>
+        </p:txBody>
+      </p:sp>
+      <p:sp>
+        <p:nvSpPr>
+          <p:cNvPr id="5" name="TextBox 4">
+            <a:extLst>
+              <a:ext uri="{FF2B5EF4-FFF2-40B4-BE49-F238E27FC236}">
+                <a16:creationId xmlns:a16="http://schemas.microsoft.com/office/drawing/2014/main" id="{813946C5-1BF0-41CA-A246-B236CDE72EA2}"/>
+              </a:ext>
+            </a:extLst>
+          </p:cNvPr>
+          <p:cNvSpPr txBox="1"/>
+          <p:nvPr/>
+        </p:nvSpPr>
+        <p:spPr>
+          <a:xfrm>
+            <a:off x="1095777" y="1146419"/>
+            <a:ext cx="7327006" cy="2031325"/>
+          </a:xfrm>
+          <a:prstGeom prst="rect">
+            <a:avLst/>
+          </a:prstGeom>
+          <a:noFill/>
+        </p:spPr>
+        <p:txBody>
+          <a:bodyPr wrap="square" rtlCol="0">
+            <a:spAutoFit/>
+          </a:bodyPr>
+          <a:lstStyle/>
+          <a:p>
+            <a:r>
+              <a:rPr lang="en-US" dirty="0"/>
+              <a:t>Modal</a:t>
+            </a:r>
+            <a:endParaRPr lang="ru-RU" dirty="0"/>
+          </a:p>
+          <a:p>
+            <a:pPr marL="285750" indent="-285750">
+              <a:buFont typeface="Arial" panose="020B0604020202020204" pitchFamily="34" charset="0"/>
+              <a:buChar char="•"/>
+            </a:pPr>
+            <a:r>
+              <a:rPr lang="en-US" dirty="0"/>
+              <a:t>Egg</a:t>
+            </a:r>
+          </a:p>
+          <a:p>
+            <a:pPr marL="285750" indent="-285750">
+              <a:buFont typeface="Arial" panose="020B0604020202020204" pitchFamily="34" charset="0"/>
+              <a:buChar char="•"/>
+            </a:pPr>
+            <a:r>
+              <a:rPr lang="en-US" dirty="0"/>
+              <a:t>Eggs</a:t>
+            </a:r>
+          </a:p>
+          <a:p>
+            <a:pPr marL="285750" indent="-285750">
+              <a:buFont typeface="Arial" panose="020B0604020202020204" pitchFamily="34" charset="0"/>
+              <a:buChar char="•"/>
+            </a:pPr>
+            <a:r>
+              <a:rPr lang="en-US" dirty="0" err="1"/>
+              <a:t>EggPrediction</a:t>
+            </a:r>
+            <a:endParaRPr lang="en-US" dirty="0"/>
+          </a:p>
+          <a:p>
+            <a:pPr marL="285750" indent="-285750">
+              <a:buFont typeface="Arial" panose="020B0604020202020204" pitchFamily="34" charset="0"/>
+              <a:buChar char="•"/>
+            </a:pPr>
+            <a:r>
+              <a:rPr lang="en-US" dirty="0" err="1"/>
+              <a:t>EggStatus</a:t>
+            </a:r>
+            <a:endParaRPr lang="en-US" dirty="0"/>
+          </a:p>
+          <a:p>
+            <a:pPr marL="285750" indent="-285750">
+              <a:buFont typeface="Arial" panose="020B0604020202020204" pitchFamily="34" charset="0"/>
+              <a:buChar char="•"/>
+            </a:pPr>
+            <a:r>
+              <a:rPr lang="en-US" dirty="0"/>
+              <a:t>User</a:t>
+            </a:r>
+          </a:p>
+          <a:p>
+            <a:pPr marL="285750" indent="-285750">
+              <a:buFont typeface="Arial" panose="020B0604020202020204" pitchFamily="34" charset="0"/>
+              <a:buChar char="•"/>
+            </a:pPr>
+            <a:endParaRPr lang="en-US" dirty="0"/>
+          </a:p>
+        </p:txBody>
+      </p:sp>
+    </p:spTree>
+    <p:extLst>
+      <p:ext uri="{BB962C8B-B14F-4D97-AF65-F5344CB8AC3E}">
+        <p14:creationId xmlns:p14="http://schemas.microsoft.com/office/powerpoint/2010/main" val="1123679643"/>
+      </p:ext>
+    </p:extLst>
+  </p:cSld>
+  <p:clrMapOvr>
+    <a:masterClrMapping/>
+  </p:clrMapOvr>
+</p:sld>
+</file>
+
+<file path=ppt/slides/slide16.xml><?xml version="1.0" encoding="utf-8"?>
 <p:sld xmlns:a="http://schemas.openxmlformats.org/drawingml/2006/main" xmlns:r="http://schemas.openxmlformats.org/officeDocument/2006/relationships" xmlns:p="http://schemas.openxmlformats.org/presentationml/2006/main">
   <p:cSld>
     <p:bg>
@@ -5241,7 +6635,7 @@
                 </a:solidFill>
                 <a:latin typeface="Arial Rounded MT Bold" panose="020F0704030504030204" pitchFamily="34" charset="0"/>
               </a:rPr>
-              <a:t>Dev</a:t>
+              <a:t>Marketing</a:t>
             </a:r>
           </a:p>
         </p:txBody>
@@ -5249,7 +6643,285 @@
     </p:spTree>
     <p:extLst>
       <p:ext uri="{BB962C8B-B14F-4D97-AF65-F5344CB8AC3E}">
-        <p14:creationId xmlns:p14="http://schemas.microsoft.com/office/powerpoint/2010/main" val="1634831864"/>
+        <p14:creationId xmlns:p14="http://schemas.microsoft.com/office/powerpoint/2010/main" val="670369928"/>
+      </p:ext>
+    </p:extLst>
+  </p:cSld>
+  <p:clrMapOvr>
+    <a:masterClrMapping/>
+  </p:clrMapOvr>
+</p:sld>
+</file>
+
+<file path=ppt/slides/slide17.xml><?xml version="1.0" encoding="utf-8"?>
+<p:sld xmlns:a="http://schemas.openxmlformats.org/drawingml/2006/main" xmlns:r="http://schemas.openxmlformats.org/officeDocument/2006/relationships" xmlns:p="http://schemas.openxmlformats.org/presentationml/2006/main">
+  <p:cSld>
+    <p:spTree>
+      <p:nvGrpSpPr>
+        <p:cNvPr id="1" name=""/>
+        <p:cNvGrpSpPr/>
+        <p:nvPr/>
+      </p:nvGrpSpPr>
+      <p:grpSpPr>
+        <a:xfrm>
+          <a:off x="0" y="0"/>
+          <a:ext cx="0" cy="0"/>
+          <a:chOff x="0" y="0"/>
+          <a:chExt cx="0" cy="0"/>
+        </a:xfrm>
+      </p:grpSpPr>
+      <p:sp>
+        <p:nvSpPr>
+          <p:cNvPr id="5" name="Subtitle 2">
+            <a:extLst>
+              <a:ext uri="{FF2B5EF4-FFF2-40B4-BE49-F238E27FC236}">
+                <a16:creationId xmlns:a16="http://schemas.microsoft.com/office/drawing/2014/main" id="{EE2FE333-794F-48CE-BE5D-2D1FD76905FC}"/>
+              </a:ext>
+            </a:extLst>
+          </p:cNvPr>
+          <p:cNvSpPr txBox="1">
+            <a:spLocks/>
+          </p:cNvSpPr>
+          <p:nvPr/>
+        </p:nvSpPr>
+        <p:spPr>
+          <a:xfrm>
+            <a:off x="4103968" y="3893231"/>
+            <a:ext cx="3984060" cy="598714"/>
+          </a:xfrm>
+          <a:prstGeom prst="rect">
+            <a:avLst/>
+          </a:prstGeom>
+        </p:spPr>
+        <p:txBody>
+          <a:bodyPr vert="horz" lIns="91440" tIns="45720" rIns="91440" bIns="45720" rtlCol="0">
+            <a:normAutofit fontScale="92500"/>
+          </a:bodyPr>
+          <a:lstStyle>
+            <a:lvl1pPr marL="228600" indent="-228600" algn="l" defTabSz="914400" rtl="0" eaLnBrk="1" latinLnBrk="0" hangingPunct="1">
+              <a:lnSpc>
+                <a:spcPct val="90000"/>
+              </a:lnSpc>
+              <a:spcBef>
+                <a:spcPts val="1000"/>
+              </a:spcBef>
+              <a:buFont typeface="Arial" panose="020B0604020202020204" pitchFamily="34" charset="0"/>
+              <a:buChar char="•"/>
+              <a:defRPr sz="2800" kern="1200">
+                <a:solidFill>
+                  <a:schemeClr val="tx1"/>
+                </a:solidFill>
+                <a:latin typeface="+mn-lt"/>
+                <a:ea typeface="+mn-ea"/>
+                <a:cs typeface="+mn-cs"/>
+              </a:defRPr>
+            </a:lvl1pPr>
+            <a:lvl2pPr marL="685800" indent="-228600" algn="l" defTabSz="914400" rtl="0" eaLnBrk="1" latinLnBrk="0" hangingPunct="1">
+              <a:lnSpc>
+                <a:spcPct val="90000"/>
+              </a:lnSpc>
+              <a:spcBef>
+                <a:spcPts val="500"/>
+              </a:spcBef>
+              <a:buFont typeface="Arial" panose="020B0604020202020204" pitchFamily="34" charset="0"/>
+              <a:buChar char="•"/>
+              <a:defRPr sz="2400" kern="1200">
+                <a:solidFill>
+                  <a:schemeClr val="tx1"/>
+                </a:solidFill>
+                <a:latin typeface="+mn-lt"/>
+                <a:ea typeface="+mn-ea"/>
+                <a:cs typeface="+mn-cs"/>
+              </a:defRPr>
+            </a:lvl2pPr>
+            <a:lvl3pPr marL="1143000" indent="-228600" algn="l" defTabSz="914400" rtl="0" eaLnBrk="1" latinLnBrk="0" hangingPunct="1">
+              <a:lnSpc>
+                <a:spcPct val="90000"/>
+              </a:lnSpc>
+              <a:spcBef>
+                <a:spcPts val="500"/>
+              </a:spcBef>
+              <a:buFont typeface="Arial" panose="020B0604020202020204" pitchFamily="34" charset="0"/>
+              <a:buChar char="•"/>
+              <a:defRPr sz="2000" kern="1200">
+                <a:solidFill>
+                  <a:schemeClr val="tx1"/>
+                </a:solidFill>
+                <a:latin typeface="+mn-lt"/>
+                <a:ea typeface="+mn-ea"/>
+                <a:cs typeface="+mn-cs"/>
+              </a:defRPr>
+            </a:lvl3pPr>
+            <a:lvl4pPr marL="1600200" indent="-228600" algn="l" defTabSz="914400" rtl="0" eaLnBrk="1" latinLnBrk="0" hangingPunct="1">
+              <a:lnSpc>
+                <a:spcPct val="90000"/>
+              </a:lnSpc>
+              <a:spcBef>
+                <a:spcPts val="500"/>
+              </a:spcBef>
+              <a:buFont typeface="Arial" panose="020B0604020202020204" pitchFamily="34" charset="0"/>
+              <a:buChar char="•"/>
+              <a:defRPr sz="1800" kern="1200">
+                <a:solidFill>
+                  <a:schemeClr val="tx1"/>
+                </a:solidFill>
+                <a:latin typeface="+mn-lt"/>
+                <a:ea typeface="+mn-ea"/>
+                <a:cs typeface="+mn-cs"/>
+              </a:defRPr>
+            </a:lvl4pPr>
+            <a:lvl5pPr marL="2057400" indent="-228600" algn="l" defTabSz="914400" rtl="0" eaLnBrk="1" latinLnBrk="0" hangingPunct="1">
+              <a:lnSpc>
+                <a:spcPct val="90000"/>
+              </a:lnSpc>
+              <a:spcBef>
+                <a:spcPts val="500"/>
+              </a:spcBef>
+              <a:buFont typeface="Arial" panose="020B0604020202020204" pitchFamily="34" charset="0"/>
+              <a:buChar char="•"/>
+              <a:defRPr sz="1800" kern="1200">
+                <a:solidFill>
+                  <a:schemeClr val="tx1"/>
+                </a:solidFill>
+                <a:latin typeface="+mn-lt"/>
+                <a:ea typeface="+mn-ea"/>
+                <a:cs typeface="+mn-cs"/>
+              </a:defRPr>
+            </a:lvl5pPr>
+            <a:lvl6pPr marL="2514600" indent="-228600" algn="l" defTabSz="914400" rtl="0" eaLnBrk="1" latinLnBrk="0" hangingPunct="1">
+              <a:lnSpc>
+                <a:spcPct val="90000"/>
+              </a:lnSpc>
+              <a:spcBef>
+                <a:spcPts val="500"/>
+              </a:spcBef>
+              <a:buFont typeface="Arial" panose="020B0604020202020204" pitchFamily="34" charset="0"/>
+              <a:buChar char="•"/>
+              <a:defRPr sz="1800" kern="1200">
+                <a:solidFill>
+                  <a:schemeClr val="tx1"/>
+                </a:solidFill>
+                <a:latin typeface="+mn-lt"/>
+                <a:ea typeface="+mn-ea"/>
+                <a:cs typeface="+mn-cs"/>
+              </a:defRPr>
+            </a:lvl6pPr>
+            <a:lvl7pPr marL="2971800" indent="-228600" algn="l" defTabSz="914400" rtl="0" eaLnBrk="1" latinLnBrk="0" hangingPunct="1">
+              <a:lnSpc>
+                <a:spcPct val="90000"/>
+              </a:lnSpc>
+              <a:spcBef>
+                <a:spcPts val="500"/>
+              </a:spcBef>
+              <a:buFont typeface="Arial" panose="020B0604020202020204" pitchFamily="34" charset="0"/>
+              <a:buChar char="•"/>
+              <a:defRPr sz="1800" kern="1200">
+                <a:solidFill>
+                  <a:schemeClr val="tx1"/>
+                </a:solidFill>
+                <a:latin typeface="+mn-lt"/>
+                <a:ea typeface="+mn-ea"/>
+                <a:cs typeface="+mn-cs"/>
+              </a:defRPr>
+            </a:lvl7pPr>
+            <a:lvl8pPr marL="3429000" indent="-228600" algn="l" defTabSz="914400" rtl="0" eaLnBrk="1" latinLnBrk="0" hangingPunct="1">
+              <a:lnSpc>
+                <a:spcPct val="90000"/>
+              </a:lnSpc>
+              <a:spcBef>
+                <a:spcPts val="500"/>
+              </a:spcBef>
+              <a:buFont typeface="Arial" panose="020B0604020202020204" pitchFamily="34" charset="0"/>
+              <a:buChar char="•"/>
+              <a:defRPr sz="1800" kern="1200">
+                <a:solidFill>
+                  <a:schemeClr val="tx1"/>
+                </a:solidFill>
+                <a:latin typeface="+mn-lt"/>
+                <a:ea typeface="+mn-ea"/>
+                <a:cs typeface="+mn-cs"/>
+              </a:defRPr>
+            </a:lvl8pPr>
+            <a:lvl9pPr marL="3886200" indent="-228600" algn="l" defTabSz="914400" rtl="0" eaLnBrk="1" latinLnBrk="0" hangingPunct="1">
+              <a:lnSpc>
+                <a:spcPct val="90000"/>
+              </a:lnSpc>
+              <a:spcBef>
+                <a:spcPts val="500"/>
+              </a:spcBef>
+              <a:buFont typeface="Arial" panose="020B0604020202020204" pitchFamily="34" charset="0"/>
+              <a:buChar char="•"/>
+              <a:defRPr sz="1800" kern="1200">
+                <a:solidFill>
+                  <a:schemeClr val="tx1"/>
+                </a:solidFill>
+                <a:latin typeface="+mn-lt"/>
+                <a:ea typeface="+mn-ea"/>
+                <a:cs typeface="+mn-cs"/>
+              </a:defRPr>
+            </a:lvl9pPr>
+          </a:lstStyle>
+          <a:p>
+            <a:pPr marL="0" indent="0">
+              <a:buNone/>
+            </a:pPr>
+            <a:r>
+              <a:rPr lang="en-US" b="1" dirty="0">
+                <a:solidFill>
+                  <a:srgbClr val="E1D966"/>
+                </a:solidFill>
+                <a:hlinkClick r:id="rId2"/>
+              </a:rPr>
+              <a:t>Tell us what you think here</a:t>
+            </a:r>
+            <a:endParaRPr lang="en-US" b="1" dirty="0">
+              <a:solidFill>
+                <a:srgbClr val="E1D966"/>
+              </a:solidFill>
+            </a:endParaRPr>
+          </a:p>
+        </p:txBody>
+      </p:sp>
+      <p:pic>
+        <p:nvPicPr>
+          <p:cNvPr id="7" name="Picture 6" descr="A picture containing clipart&#10;&#10;Description generated with very high confidence">
+            <a:extLst>
+              <a:ext uri="{FF2B5EF4-FFF2-40B4-BE49-F238E27FC236}">
+                <a16:creationId xmlns:a16="http://schemas.microsoft.com/office/drawing/2014/main" id="{29342D75-AE48-43E0-84E3-B4F2FE8BB5FD}"/>
+              </a:ext>
+            </a:extLst>
+          </p:cNvPr>
+          <p:cNvPicPr>
+            <a:picLocks noChangeAspect="1"/>
+          </p:cNvPicPr>
+          <p:nvPr/>
+        </p:nvPicPr>
+        <p:blipFill>
+          <a:blip r:embed="rId3">
+            <a:extLst>
+              <a:ext uri="{28A0092B-C50C-407E-A947-70E740481C1C}">
+                <a14:useLocalDpi xmlns:a14="http://schemas.microsoft.com/office/drawing/2010/main" val="0"/>
+              </a:ext>
+            </a:extLst>
+          </a:blip>
+          <a:stretch>
+            <a:fillRect/>
+          </a:stretch>
+        </p:blipFill>
+        <p:spPr>
+          <a:xfrm>
+            <a:off x="5081586" y="1473881"/>
+            <a:ext cx="2028825" cy="2419350"/>
+          </a:xfrm>
+          <a:prstGeom prst="rect">
+            <a:avLst/>
+          </a:prstGeom>
+        </p:spPr>
+      </p:pic>
+    </p:spTree>
+    <p:extLst>
+      <p:ext uri="{BB962C8B-B14F-4D97-AF65-F5344CB8AC3E}">
+        <p14:creationId xmlns:p14="http://schemas.microsoft.com/office/powerpoint/2010/main" val="4091835923"/>
       </p:ext>
     </p:extLst>
   </p:cSld>
@@ -5408,7 +7080,7 @@
         <p:spPr>
           <a:xfrm>
             <a:off x="580571" y="1016391"/>
-            <a:ext cx="6312598" cy="707886"/>
+            <a:ext cx="5628318" cy="646331"/>
           </a:xfrm>
           <a:prstGeom prst="rect">
             <a:avLst/>
@@ -5422,7 +7094,7 @@
           <a:lstStyle/>
           <a:p>
             <a:r>
-              <a:rPr lang="en-US" sz="2000" dirty="0">
+              <a:rPr lang="en-US" dirty="0">
                 <a:solidFill>
                   <a:srgbClr val="707070"/>
                 </a:solidFill>
@@ -5430,7 +7102,7 @@
               <a:t>Hachy uses machine learning to candle eggs with a </a:t>
             </a:r>
             <a:r>
-              <a:rPr lang="en-US" sz="2000" b="1" dirty="0">
+              <a:rPr lang="en-US" b="1" dirty="0">
                 <a:solidFill>
                   <a:srgbClr val="707070"/>
                 </a:solidFill>
@@ -5438,7 +7110,7 @@
               <a:t>phone</a:t>
             </a:r>
             <a:r>
-              <a:rPr lang="en-US" sz="2000" dirty="0">
+              <a:rPr lang="en-US" dirty="0">
                 <a:solidFill>
                   <a:srgbClr val="707070"/>
                 </a:solidFill>
@@ -5446,7 +7118,7 @@
               <a:t> and a </a:t>
             </a:r>
             <a:r>
-              <a:rPr lang="en-US" sz="2000" b="1" dirty="0">
+              <a:rPr lang="en-US" b="1" dirty="0">
                 <a:solidFill>
                   <a:srgbClr val="707070"/>
                 </a:solidFill>
@@ -5454,7 +7126,7 @@
               <a:t>Hachy Box</a:t>
             </a:r>
             <a:r>
-              <a:rPr lang="en-US" sz="2000" dirty="0">
+              <a:rPr lang="en-US" dirty="0">
                 <a:solidFill>
                   <a:srgbClr val="707070"/>
                 </a:solidFill>
@@ -5597,7 +7269,7 @@
         <p:spPr>
           <a:xfrm>
             <a:off x="580570" y="1016391"/>
-            <a:ext cx="6185990" cy="2123658"/>
+            <a:ext cx="6185990" cy="1969770"/>
           </a:xfrm>
           <a:prstGeom prst="rect">
             <a:avLst/>
@@ -5630,7 +7302,7 @@
               <a:buChar char="•"/>
             </a:pPr>
             <a:r>
-              <a:rPr lang="en-US" sz="2000" dirty="0">
+              <a:rPr lang="en-US" dirty="0">
                 <a:solidFill>
                   <a:srgbClr val="707070"/>
                 </a:solidFill>
@@ -5644,7 +7316,7 @@
               <a:buChar char="•"/>
             </a:pPr>
             <a:r>
-              <a:rPr lang="en-US" sz="2000" dirty="0">
+              <a:rPr lang="en-US" dirty="0">
                 <a:solidFill>
                   <a:srgbClr val="707070"/>
                 </a:solidFill>
@@ -5658,7 +7330,7 @@
               <a:buChar char="•"/>
             </a:pPr>
             <a:r>
-              <a:rPr lang="en-US" sz="2000" dirty="0">
+              <a:rPr lang="en-US" dirty="0">
                 <a:solidFill>
                   <a:srgbClr val="707070"/>
                 </a:solidFill>
@@ -5672,7 +7344,7 @@
               <a:buChar char="•"/>
             </a:pPr>
             <a:r>
-              <a:rPr lang="en-US" sz="2000" dirty="0">
+              <a:rPr lang="en-US" dirty="0">
                 <a:solidFill>
                   <a:srgbClr val="707070"/>
                 </a:solidFill>
@@ -5686,14 +7358,14 @@
               <a:buChar char="•"/>
             </a:pPr>
             <a:r>
-              <a:rPr lang="en-US" sz="2000" dirty="0">
+              <a:rPr lang="en-US" dirty="0">
                 <a:solidFill>
                   <a:srgbClr val="707070"/>
                 </a:solidFill>
               </a:rPr>
               <a:t>Track history of past egg result</a:t>
             </a:r>
-            <a:endParaRPr lang="ru-RU" sz="2000" dirty="0">
+            <a:endParaRPr lang="ru-RU" dirty="0">
               <a:solidFill>
                 <a:srgbClr val="707070"/>
               </a:solidFill>
@@ -6072,7 +7744,7 @@
       </p:pic>
       <p:pic>
         <p:nvPicPr>
-          <p:cNvPr id="13" name="Picture 12" descr="A picture containing clipart, object&#10;&#10;Description generated with high confidence">
+          <p:cNvPr id="13" name="Picture 12" descr="A drawing of a face&#10;&#10;Description generated with low confidence">
             <a:extLst>
               <a:ext uri="{FF2B5EF4-FFF2-40B4-BE49-F238E27FC236}">
                 <a16:creationId xmlns:a16="http://schemas.microsoft.com/office/drawing/2014/main" id="{E9E86D71-12AD-49AB-ADB4-8628C967096C}"/>
@@ -6603,7 +8275,7 @@
                   <a:srgbClr val="707070"/>
                 </a:solidFill>
               </a:rPr>
-              <a:t>                      Cath(Italy)                                          </a:t>
+              <a:t>                   Cath(farmer)                                       </a:t>
             </a:r>
             <a:r>
               <a:rPr lang="en-US" sz="3200" dirty="0" err="1">
@@ -6619,7 +8291,7 @@
                   <a:srgbClr val="707070"/>
                 </a:solidFill>
               </a:rPr>
-              <a:t>(Taiwan)</a:t>
+              <a:t>(consumer)</a:t>
             </a:r>
             <a:endParaRPr lang="ru-RU" sz="3200" dirty="0">
               <a:solidFill>
@@ -6887,7 +8559,7 @@
         <p:spPr>
           <a:xfrm>
             <a:off x="580570" y="1016391"/>
-            <a:ext cx="5515430" cy="1631216"/>
+            <a:ext cx="5515430" cy="1477328"/>
           </a:xfrm>
           <a:prstGeom prst="rect">
             <a:avLst/>
@@ -6901,7 +8573,7 @@
           <a:lstStyle/>
           <a:p>
             <a:r>
-              <a:rPr lang="en-US" sz="2000" dirty="0">
+              <a:rPr lang="en-US" dirty="0">
                 <a:solidFill>
                   <a:srgbClr val="707070"/>
                 </a:solidFill>
@@ -6909,7 +8581,7 @@
               <a:t>Our logo </a:t>
             </a:r>
             <a:r>
-              <a:rPr lang="en-US" altLang="zh-CN" sz="2000" dirty="0">
+              <a:rPr lang="en-US" altLang="zh-CN" dirty="0">
                 <a:solidFill>
                   <a:srgbClr val="707070"/>
                 </a:solidFill>
@@ -6917,7 +8589,7 @@
               <a:t>consists</a:t>
             </a:r>
             <a:r>
-              <a:rPr lang="en-US" sz="2000" dirty="0">
+              <a:rPr lang="en-US" dirty="0">
                 <a:solidFill>
                   <a:srgbClr val="707070"/>
                 </a:solidFill>
@@ -6925,7 +8597,7 @@
               <a:t> of an </a:t>
             </a:r>
             <a:r>
-              <a:rPr lang="en-US" sz="2000" b="1" dirty="0">
+              <a:rPr lang="en-US" b="1" dirty="0">
                 <a:solidFill>
                   <a:srgbClr val="707070"/>
                 </a:solidFill>
@@ -6933,7 +8605,7 @@
               <a:t>logomark</a:t>
             </a:r>
             <a:r>
-              <a:rPr lang="en-US" sz="2000" dirty="0">
+              <a:rPr lang="en-US" dirty="0">
                 <a:solidFill>
                   <a:srgbClr val="707070"/>
                 </a:solidFill>
@@ -6941,7 +8613,7 @@
               <a:t> and a </a:t>
             </a:r>
             <a:r>
-              <a:rPr lang="en-US" sz="2000" b="1" dirty="0">
+              <a:rPr lang="en-US" b="1" dirty="0">
                 <a:solidFill>
                   <a:srgbClr val="707070"/>
                 </a:solidFill>
@@ -6949,7 +8621,7 @@
               <a:t>watermark</a:t>
             </a:r>
             <a:r>
-              <a:rPr lang="en-US" sz="2000" dirty="0">
+              <a:rPr lang="en-US" dirty="0">
                 <a:solidFill>
                   <a:srgbClr val="707070"/>
                 </a:solidFill>
@@ -6957,7 +8629,7 @@
               <a:t>. They can be used together or separately depending on the situation. If used together the watermark and logo shall have consistent color. And most preferably the </a:t>
             </a:r>
             <a:r>
-              <a:rPr lang="en-US" sz="2000" b="1" dirty="0">
+              <a:rPr lang="en-US" b="1" dirty="0">
                 <a:solidFill>
                   <a:srgbClr val="707070"/>
                 </a:solidFill>
@@ -6965,7 +8637,7 @@
               <a:t>brand </a:t>
             </a:r>
             <a:r>
-              <a:rPr lang="en-US" altLang="zh-CN" sz="2000" b="1" dirty="0">
+              <a:rPr lang="en-US" altLang="zh-CN" b="1" dirty="0">
                 <a:solidFill>
                   <a:srgbClr val="707070"/>
                 </a:solidFill>
@@ -6973,7 +8645,7 @@
               <a:t>c</a:t>
             </a:r>
             <a:r>
-              <a:rPr lang="en-US" sz="2000" b="1" dirty="0">
+              <a:rPr lang="en-US" b="1" dirty="0">
                 <a:solidFill>
                   <a:srgbClr val="707070"/>
                 </a:solidFill>
@@ -6981,7 +8653,7 @@
               <a:t>olor</a:t>
             </a:r>
             <a:r>
-              <a:rPr lang="ru-RU" sz="2000" b="1" dirty="0">
+              <a:rPr lang="ru-RU" b="1" dirty="0">
                 <a:solidFill>
                   <a:srgbClr val="707070"/>
                 </a:solidFill>
@@ -6989,14 +8661,14 @@
               <a:t> </a:t>
             </a:r>
             <a:r>
-              <a:rPr lang="en-US" sz="2000" dirty="0">
+              <a:rPr lang="en-US" dirty="0">
                 <a:solidFill>
                   <a:srgbClr val="707070"/>
                 </a:solidFill>
               </a:rPr>
               <a:t>(see next slide)</a:t>
             </a:r>
-            <a:endParaRPr lang="ru-RU" sz="2000" dirty="0">
+            <a:endParaRPr lang="ru-RU" dirty="0">
               <a:solidFill>
                 <a:srgbClr val="707070"/>
               </a:solidFill>
@@ -7134,7 +8806,7 @@
         </p:blipFill>
         <p:spPr>
           <a:xfrm>
-            <a:off x="8896642" y="1996981"/>
+            <a:off x="8490239" y="947114"/>
             <a:ext cx="1476085" cy="1760214"/>
           </a:xfrm>
           <a:prstGeom prst="rect">
@@ -7158,7 +8830,7 @@
         </p:nvSpPr>
         <p:spPr>
           <a:xfrm>
-            <a:off x="7467006" y="3671786"/>
+            <a:off x="7060603" y="2621919"/>
             <a:ext cx="4335356" cy="810532"/>
           </a:xfrm>
           <a:prstGeom prst="rect">
@@ -7208,10 +8880,107 @@
           </a:p>
         </p:txBody>
       </p:sp>
+      <p:sp>
+        <p:nvSpPr>
+          <p:cNvPr id="6" name="TextBox 5">
+            <a:extLst>
+              <a:ext uri="{FF2B5EF4-FFF2-40B4-BE49-F238E27FC236}">
+                <a16:creationId xmlns:a16="http://schemas.microsoft.com/office/drawing/2014/main" id="{D658DC96-950D-418C-9574-BFAC4C2F4E09}"/>
+              </a:ext>
+            </a:extLst>
+          </p:cNvPr>
+          <p:cNvSpPr txBox="1"/>
+          <p:nvPr/>
+        </p:nvSpPr>
+        <p:spPr>
+          <a:xfrm>
+            <a:off x="7807292" y="3743654"/>
+            <a:ext cx="2841978" cy="1477328"/>
+          </a:xfrm>
+          <a:prstGeom prst="rect">
+            <a:avLst/>
+          </a:prstGeom>
+          <a:noFill/>
+        </p:spPr>
+        <p:txBody>
+          <a:bodyPr wrap="square" rtlCol="0">
+            <a:spAutoFit/>
+          </a:bodyPr>
+          <a:lstStyle/>
+          <a:p>
+            <a:r>
+              <a:rPr lang="en-US" dirty="0">
+                <a:solidFill>
+                  <a:srgbClr val="E1D966"/>
+                </a:solidFill>
+              </a:rPr>
+              <a:t>Brand Main: 	#ffd966</a:t>
+            </a:r>
+          </a:p>
+          <a:p>
+            <a:r>
+              <a:rPr lang="en-US" dirty="0">
+                <a:solidFill>
+                  <a:srgbClr val="E1C315"/>
+                </a:solidFill>
+              </a:rPr>
+              <a:t>Brand Dark: 	#ffc315</a:t>
+            </a:r>
+          </a:p>
+          <a:p>
+            <a:r>
+              <a:rPr lang="en-US" dirty="0"/>
+              <a:t>Brand Frame: 	#000000</a:t>
+            </a:r>
+          </a:p>
+          <a:p>
+            <a:r>
+              <a:rPr lang="en-US" dirty="0">
+                <a:solidFill>
+                  <a:srgbClr val="707070"/>
+                </a:solidFill>
+              </a:rPr>
+              <a:t>Brand Text: 	#707070</a:t>
+            </a:r>
+          </a:p>
+          <a:p>
+            <a:r>
+              <a:rPr lang="en-US" dirty="0">
+                <a:solidFill>
+                  <a:schemeClr val="bg1"/>
+                </a:solidFill>
+                <a:highlight>
+                  <a:srgbClr val="C0C0C0"/>
+                </a:highlight>
+              </a:rPr>
+              <a:t>Brand empty: 	#</a:t>
+            </a:r>
+            <a:r>
+              <a:rPr lang="en-US" dirty="0" err="1">
+                <a:solidFill>
+                  <a:schemeClr val="bg1"/>
+                </a:solidFill>
+                <a:highlight>
+                  <a:srgbClr val="C0C0C0"/>
+                </a:highlight>
+              </a:rPr>
+              <a:t>ffffff</a:t>
+            </a:r>
+            <a:endParaRPr lang="en-US" dirty="0">
+              <a:solidFill>
+                <a:schemeClr val="bg1"/>
+              </a:solidFill>
+              <a:highlight>
+                <a:srgbClr val="C0C0C0"/>
+              </a:highlight>
+            </a:endParaRPr>
+          </a:p>
+        </p:txBody>
+      </p:sp>
     </p:spTree>
     <p:extLst>
       <p:ext uri="{BB962C8B-B14F-4D97-AF65-F5344CB8AC3E}">
-        <p14:creationId xmlns:p14="http://schemas.microsoft.com/office/powerpoint/2010/main" val="3360581131"/>
+        <p14:creationId xmlns:p14="http://schemas.microsoft.com/office/powerpoint/2010/main" val="3295859188"/>
       </p:ext>
     </p:extLst>
   </p:cSld>
